--- a/2018JKQ毕业论文/fig/4/newsmc_arch.pptx
+++ b/2018JKQ毕业论文/fig/4/newsmc_arch.pptx
@@ -118,10 +118,25 @@
       </p14:sectionLst>
     </p:ext>
     <p:ext uri="{EFAFB233-063F-42B5-8137-9DF3F51BA10A}">
-      <p15:sldGuideLst xmlns="" xmlns:p15="http://schemas.microsoft.com/office/powerpoint/2012/main"/>
+      <p15:sldGuideLst xmlns:p15="http://schemas.microsoft.com/office/powerpoint/2012/main">
+        <p15:guide id="1" orient="horz" pos="2160">
+          <p15:clr>
+            <a:srgbClr val="A4A3A4"/>
+          </p15:clr>
+        </p15:guide>
+        <p15:guide id="2" pos="3840">
+          <p15:clr>
+            <a:srgbClr val="A4A3A4"/>
+          </p15:clr>
+        </p15:guide>
+      </p15:sldGuideLst>
     </p:ext>
   </p:extLst>
 </p:presentation>
+</file>
+
+<file path=ppt/revisionInfo.xml><?xml version="1.0" encoding="utf-8"?>
+<p1510:revInfo xmlns:a="http://schemas.openxmlformats.org/drawingml/2006/main" xmlns:r="http://schemas.openxmlformats.org/officeDocument/2006/relationships" xmlns:p1510="http://schemas.microsoft.com/office/powerpoint/2015/10/main"/>
 </file>
 
 <file path=ppt/notesMasters/notesMaster1.xml><?xml version="1.0" encoding="utf-8"?>
@@ -206,7 +221,7 @@
           <a:p>
             <a:fld id="{47CA97F6-ABEA-420C-A5A1-318ACC2DC32F}" type="datetimeFigureOut">
               <a:rPr lang="zh-CN" altLang="en-US" smtClean="0"/>
-              <a:t>2016/3/28</a:t>
+              <a:t>2017/5/31</a:t>
             </a:fld>
             <a:endParaRPr lang="zh-CN" altLang="en-US"/>
           </a:p>
@@ -270,38 +285,37 @@
           <a:p>
             <a:pPr lvl="0"/>
             <a:r>
-              <a:rPr lang="zh-CN" altLang="en-US" smtClean="0"/>
+              <a:rPr lang="zh-CN" altLang="en-US"/>
               <a:t>单击此处编辑母版文本样式</a:t>
             </a:r>
           </a:p>
           <a:p>
             <a:pPr lvl="1"/>
             <a:r>
-              <a:rPr lang="zh-CN" altLang="en-US" smtClean="0"/>
+              <a:rPr lang="zh-CN" altLang="en-US"/>
               <a:t>第二级</a:t>
             </a:r>
           </a:p>
           <a:p>
             <a:pPr lvl="2"/>
             <a:r>
-              <a:rPr lang="zh-CN" altLang="en-US" smtClean="0"/>
+              <a:rPr lang="zh-CN" altLang="en-US"/>
               <a:t>第三级</a:t>
             </a:r>
           </a:p>
           <a:p>
             <a:pPr lvl="3"/>
             <a:r>
-              <a:rPr lang="zh-CN" altLang="en-US" smtClean="0"/>
+              <a:rPr lang="zh-CN" altLang="en-US"/>
               <a:t>第四级</a:t>
             </a:r>
           </a:p>
           <a:p>
             <a:pPr lvl="4"/>
             <a:r>
-              <a:rPr lang="zh-CN" altLang="en-US" smtClean="0"/>
+              <a:rPr lang="zh-CN" altLang="en-US"/>
               <a:t>第五级</a:t>
             </a:r>
-            <a:endParaRPr lang="zh-CN" altLang="en-US"/>
           </a:p>
         </p:txBody>
       </p:sp>
@@ -516,10 +530,9 @@
           </a:lstStyle>
           <a:p>
             <a:r>
-              <a:rPr lang="zh-CN" altLang="en-US" smtClean="0"/>
+              <a:rPr lang="zh-CN" altLang="en-US"/>
               <a:t>单击此处编辑母版标题样式</a:t>
             </a:r>
-            <a:endParaRPr lang="zh-CN" altLang="en-US"/>
           </a:p>
         </p:txBody>
       </p:sp>
@@ -581,10 +594,9 @@
           </a:lstStyle>
           <a:p>
             <a:r>
-              <a:rPr lang="zh-CN" altLang="en-US" smtClean="0"/>
+              <a:rPr lang="zh-CN" altLang="en-US"/>
               <a:t>单击此处编辑母版副标题样式</a:t>
             </a:r>
-            <a:endParaRPr lang="zh-CN" altLang="en-US"/>
           </a:p>
         </p:txBody>
       </p:sp>
@@ -605,7 +617,7 @@
           <a:p>
             <a:fld id="{A00373F1-C483-4E1C-A4C8-62A50B86877C}" type="datetimeFigureOut">
               <a:rPr lang="zh-CN" altLang="en-US" smtClean="0"/>
-              <a:t>2016/3/28</a:t>
+              <a:t>2017/5/31</a:t>
             </a:fld>
             <a:endParaRPr lang="zh-CN" altLang="en-US"/>
           </a:p>
@@ -699,10 +711,9 @@
           <a:lstStyle/>
           <a:p>
             <a:r>
-              <a:rPr lang="zh-CN" altLang="en-US" smtClean="0"/>
+              <a:rPr lang="zh-CN" altLang="en-US"/>
               <a:t>单击此处编辑母版标题样式</a:t>
             </a:r>
-            <a:endParaRPr lang="zh-CN" altLang="en-US"/>
           </a:p>
         </p:txBody>
       </p:sp>
@@ -723,38 +734,37 @@
           <a:p>
             <a:pPr lvl="0"/>
             <a:r>
-              <a:rPr lang="zh-CN" altLang="en-US" smtClean="0"/>
+              <a:rPr lang="zh-CN" altLang="en-US"/>
               <a:t>单击此处编辑母版文本样式</a:t>
             </a:r>
           </a:p>
           <a:p>
             <a:pPr lvl="1"/>
             <a:r>
-              <a:rPr lang="zh-CN" altLang="en-US" smtClean="0"/>
+              <a:rPr lang="zh-CN" altLang="en-US"/>
               <a:t>第二级</a:t>
             </a:r>
           </a:p>
           <a:p>
             <a:pPr lvl="2"/>
             <a:r>
-              <a:rPr lang="zh-CN" altLang="en-US" smtClean="0"/>
+              <a:rPr lang="zh-CN" altLang="en-US"/>
               <a:t>第三级</a:t>
             </a:r>
           </a:p>
           <a:p>
             <a:pPr lvl="3"/>
             <a:r>
-              <a:rPr lang="zh-CN" altLang="en-US" smtClean="0"/>
+              <a:rPr lang="zh-CN" altLang="en-US"/>
               <a:t>第四级</a:t>
             </a:r>
           </a:p>
           <a:p>
             <a:pPr lvl="4"/>
             <a:r>
-              <a:rPr lang="zh-CN" altLang="en-US" smtClean="0"/>
+              <a:rPr lang="zh-CN" altLang="en-US"/>
               <a:t>第五级</a:t>
             </a:r>
-            <a:endParaRPr lang="zh-CN" altLang="en-US"/>
           </a:p>
         </p:txBody>
       </p:sp>
@@ -775,7 +785,7 @@
           <a:p>
             <a:fld id="{A00373F1-C483-4E1C-A4C8-62A50B86877C}" type="datetimeFigureOut">
               <a:rPr lang="zh-CN" altLang="en-US" smtClean="0"/>
-              <a:t>2016/3/28</a:t>
+              <a:t>2017/5/31</a:t>
             </a:fld>
             <a:endParaRPr lang="zh-CN" altLang="en-US"/>
           </a:p>
@@ -874,10 +884,9 @@
           <a:lstStyle/>
           <a:p>
             <a:r>
-              <a:rPr lang="zh-CN" altLang="en-US" smtClean="0"/>
+              <a:rPr lang="zh-CN" altLang="en-US"/>
               <a:t>单击此处编辑母版标题样式</a:t>
             </a:r>
-            <a:endParaRPr lang="zh-CN" altLang="en-US"/>
           </a:p>
         </p:txBody>
       </p:sp>
@@ -903,38 +912,37 @@
           <a:p>
             <a:pPr lvl="0"/>
             <a:r>
-              <a:rPr lang="zh-CN" altLang="en-US" smtClean="0"/>
+              <a:rPr lang="zh-CN" altLang="en-US"/>
               <a:t>单击此处编辑母版文本样式</a:t>
             </a:r>
           </a:p>
           <a:p>
             <a:pPr lvl="1"/>
             <a:r>
-              <a:rPr lang="zh-CN" altLang="en-US" smtClean="0"/>
+              <a:rPr lang="zh-CN" altLang="en-US"/>
               <a:t>第二级</a:t>
             </a:r>
           </a:p>
           <a:p>
             <a:pPr lvl="2"/>
             <a:r>
-              <a:rPr lang="zh-CN" altLang="en-US" smtClean="0"/>
+              <a:rPr lang="zh-CN" altLang="en-US"/>
               <a:t>第三级</a:t>
             </a:r>
           </a:p>
           <a:p>
             <a:pPr lvl="3"/>
             <a:r>
-              <a:rPr lang="zh-CN" altLang="en-US" smtClean="0"/>
+              <a:rPr lang="zh-CN" altLang="en-US"/>
               <a:t>第四级</a:t>
             </a:r>
           </a:p>
           <a:p>
             <a:pPr lvl="4"/>
             <a:r>
-              <a:rPr lang="zh-CN" altLang="en-US" smtClean="0"/>
+              <a:rPr lang="zh-CN" altLang="en-US"/>
               <a:t>第五级</a:t>
             </a:r>
-            <a:endParaRPr lang="zh-CN" altLang="en-US"/>
           </a:p>
         </p:txBody>
       </p:sp>
@@ -955,7 +963,7 @@
           <a:p>
             <a:fld id="{A00373F1-C483-4E1C-A4C8-62A50B86877C}" type="datetimeFigureOut">
               <a:rPr lang="zh-CN" altLang="en-US" smtClean="0"/>
-              <a:t>2016/3/28</a:t>
+              <a:t>2017/5/31</a:t>
             </a:fld>
             <a:endParaRPr lang="zh-CN" altLang="en-US"/>
           </a:p>
@@ -1049,10 +1057,9 @@
           <a:lstStyle/>
           <a:p>
             <a:r>
-              <a:rPr lang="zh-CN" altLang="en-US" smtClean="0"/>
+              <a:rPr lang="zh-CN" altLang="en-US"/>
               <a:t>单击此处编辑母版标题样式</a:t>
             </a:r>
-            <a:endParaRPr lang="zh-CN" altLang="en-US"/>
           </a:p>
         </p:txBody>
       </p:sp>
@@ -1073,38 +1080,37 @@
           <a:p>
             <a:pPr lvl="0"/>
             <a:r>
-              <a:rPr lang="zh-CN" altLang="en-US" smtClean="0"/>
+              <a:rPr lang="zh-CN" altLang="en-US"/>
               <a:t>单击此处编辑母版文本样式</a:t>
             </a:r>
           </a:p>
           <a:p>
             <a:pPr lvl="1"/>
             <a:r>
-              <a:rPr lang="zh-CN" altLang="en-US" smtClean="0"/>
+              <a:rPr lang="zh-CN" altLang="en-US"/>
               <a:t>第二级</a:t>
             </a:r>
           </a:p>
           <a:p>
             <a:pPr lvl="2"/>
             <a:r>
-              <a:rPr lang="zh-CN" altLang="en-US" smtClean="0"/>
+              <a:rPr lang="zh-CN" altLang="en-US"/>
               <a:t>第三级</a:t>
             </a:r>
           </a:p>
           <a:p>
             <a:pPr lvl="3"/>
             <a:r>
-              <a:rPr lang="zh-CN" altLang="en-US" smtClean="0"/>
+              <a:rPr lang="zh-CN" altLang="en-US"/>
               <a:t>第四级</a:t>
             </a:r>
           </a:p>
           <a:p>
             <a:pPr lvl="4"/>
             <a:r>
-              <a:rPr lang="zh-CN" altLang="en-US" smtClean="0"/>
+              <a:rPr lang="zh-CN" altLang="en-US"/>
               <a:t>第五级</a:t>
             </a:r>
-            <a:endParaRPr lang="zh-CN" altLang="en-US"/>
           </a:p>
         </p:txBody>
       </p:sp>
@@ -1125,7 +1131,7 @@
           <a:p>
             <a:fld id="{A00373F1-C483-4E1C-A4C8-62A50B86877C}" type="datetimeFigureOut">
               <a:rPr lang="zh-CN" altLang="en-US" smtClean="0"/>
-              <a:t>2016/3/28</a:t>
+              <a:t>2017/5/31</a:t>
             </a:fld>
             <a:endParaRPr lang="zh-CN" altLang="en-US"/>
           </a:p>
@@ -1228,10 +1234,9 @@
           </a:lstStyle>
           <a:p>
             <a:r>
-              <a:rPr lang="zh-CN" altLang="en-US" smtClean="0"/>
+              <a:rPr lang="zh-CN" altLang="en-US"/>
               <a:t>单击此处编辑母版标题样式</a:t>
             </a:r>
-            <a:endParaRPr lang="zh-CN" altLang="en-US"/>
           </a:p>
         </p:txBody>
       </p:sp>
@@ -1348,7 +1353,7 @@
           <a:p>
             <a:pPr lvl="0"/>
             <a:r>
-              <a:rPr lang="zh-CN" altLang="en-US" smtClean="0"/>
+              <a:rPr lang="zh-CN" altLang="en-US"/>
               <a:t>单击此处编辑母版文本样式</a:t>
             </a:r>
           </a:p>
@@ -1371,7 +1376,7 @@
           <a:p>
             <a:fld id="{A00373F1-C483-4E1C-A4C8-62A50B86877C}" type="datetimeFigureOut">
               <a:rPr lang="zh-CN" altLang="en-US" smtClean="0"/>
-              <a:t>2016/3/28</a:t>
+              <a:t>2017/5/31</a:t>
             </a:fld>
             <a:endParaRPr lang="zh-CN" altLang="en-US"/>
           </a:p>
@@ -1465,10 +1470,9 @@
           <a:lstStyle/>
           <a:p>
             <a:r>
-              <a:rPr lang="zh-CN" altLang="en-US" smtClean="0"/>
+              <a:rPr lang="zh-CN" altLang="en-US"/>
               <a:t>单击此处编辑母版标题样式</a:t>
             </a:r>
-            <a:endParaRPr lang="zh-CN" altLang="en-US"/>
           </a:p>
         </p:txBody>
       </p:sp>
@@ -1494,38 +1498,37 @@
           <a:p>
             <a:pPr lvl="0"/>
             <a:r>
-              <a:rPr lang="zh-CN" altLang="en-US" smtClean="0"/>
+              <a:rPr lang="zh-CN" altLang="en-US"/>
               <a:t>单击此处编辑母版文本样式</a:t>
             </a:r>
           </a:p>
           <a:p>
             <a:pPr lvl="1"/>
             <a:r>
-              <a:rPr lang="zh-CN" altLang="en-US" smtClean="0"/>
+              <a:rPr lang="zh-CN" altLang="en-US"/>
               <a:t>第二级</a:t>
             </a:r>
           </a:p>
           <a:p>
             <a:pPr lvl="2"/>
             <a:r>
-              <a:rPr lang="zh-CN" altLang="en-US" smtClean="0"/>
+              <a:rPr lang="zh-CN" altLang="en-US"/>
               <a:t>第三级</a:t>
             </a:r>
           </a:p>
           <a:p>
             <a:pPr lvl="3"/>
             <a:r>
-              <a:rPr lang="zh-CN" altLang="en-US" smtClean="0"/>
+              <a:rPr lang="zh-CN" altLang="en-US"/>
               <a:t>第四级</a:t>
             </a:r>
           </a:p>
           <a:p>
             <a:pPr lvl="4"/>
             <a:r>
-              <a:rPr lang="zh-CN" altLang="en-US" smtClean="0"/>
+              <a:rPr lang="zh-CN" altLang="en-US"/>
               <a:t>第五级</a:t>
             </a:r>
-            <a:endParaRPr lang="zh-CN" altLang="en-US"/>
           </a:p>
         </p:txBody>
       </p:sp>
@@ -1551,38 +1554,37 @@
           <a:p>
             <a:pPr lvl="0"/>
             <a:r>
-              <a:rPr lang="zh-CN" altLang="en-US" smtClean="0"/>
+              <a:rPr lang="zh-CN" altLang="en-US"/>
               <a:t>单击此处编辑母版文本样式</a:t>
             </a:r>
           </a:p>
           <a:p>
             <a:pPr lvl="1"/>
             <a:r>
-              <a:rPr lang="zh-CN" altLang="en-US" smtClean="0"/>
+              <a:rPr lang="zh-CN" altLang="en-US"/>
               <a:t>第二级</a:t>
             </a:r>
           </a:p>
           <a:p>
             <a:pPr lvl="2"/>
             <a:r>
-              <a:rPr lang="zh-CN" altLang="en-US" smtClean="0"/>
+              <a:rPr lang="zh-CN" altLang="en-US"/>
               <a:t>第三级</a:t>
             </a:r>
           </a:p>
           <a:p>
             <a:pPr lvl="3"/>
             <a:r>
-              <a:rPr lang="zh-CN" altLang="en-US" smtClean="0"/>
+              <a:rPr lang="zh-CN" altLang="en-US"/>
               <a:t>第四级</a:t>
             </a:r>
           </a:p>
           <a:p>
             <a:pPr lvl="4"/>
             <a:r>
-              <a:rPr lang="zh-CN" altLang="en-US" smtClean="0"/>
+              <a:rPr lang="zh-CN" altLang="en-US"/>
               <a:t>第五级</a:t>
             </a:r>
-            <a:endParaRPr lang="zh-CN" altLang="en-US"/>
           </a:p>
         </p:txBody>
       </p:sp>
@@ -1603,7 +1605,7 @@
           <a:p>
             <a:fld id="{A00373F1-C483-4E1C-A4C8-62A50B86877C}" type="datetimeFigureOut">
               <a:rPr lang="zh-CN" altLang="en-US" smtClean="0"/>
-              <a:t>2016/3/28</a:t>
+              <a:t>2017/5/31</a:t>
             </a:fld>
             <a:endParaRPr lang="zh-CN" altLang="en-US"/>
           </a:p>
@@ -1702,10 +1704,9 @@
           <a:lstStyle/>
           <a:p>
             <a:r>
-              <a:rPr lang="zh-CN" altLang="en-US" smtClean="0"/>
+              <a:rPr lang="zh-CN" altLang="en-US"/>
               <a:t>单击此处编辑母版标题样式</a:t>
             </a:r>
-            <a:endParaRPr lang="zh-CN" altLang="en-US"/>
           </a:p>
         </p:txBody>
       </p:sp>
@@ -1768,7 +1769,7 @@
           <a:p>
             <a:pPr lvl="0"/>
             <a:r>
-              <a:rPr lang="zh-CN" altLang="en-US" smtClean="0"/>
+              <a:rPr lang="zh-CN" altLang="en-US"/>
               <a:t>单击此处编辑母版文本样式</a:t>
             </a:r>
           </a:p>
@@ -1796,38 +1797,37 @@
           <a:p>
             <a:pPr lvl="0"/>
             <a:r>
-              <a:rPr lang="zh-CN" altLang="en-US" smtClean="0"/>
+              <a:rPr lang="zh-CN" altLang="en-US"/>
               <a:t>单击此处编辑母版文本样式</a:t>
             </a:r>
           </a:p>
           <a:p>
             <a:pPr lvl="1"/>
             <a:r>
-              <a:rPr lang="zh-CN" altLang="en-US" smtClean="0"/>
+              <a:rPr lang="zh-CN" altLang="en-US"/>
               <a:t>第二级</a:t>
             </a:r>
           </a:p>
           <a:p>
             <a:pPr lvl="2"/>
             <a:r>
-              <a:rPr lang="zh-CN" altLang="en-US" smtClean="0"/>
+              <a:rPr lang="zh-CN" altLang="en-US"/>
               <a:t>第三级</a:t>
             </a:r>
           </a:p>
           <a:p>
             <a:pPr lvl="3"/>
             <a:r>
-              <a:rPr lang="zh-CN" altLang="en-US" smtClean="0"/>
+              <a:rPr lang="zh-CN" altLang="en-US"/>
               <a:t>第四级</a:t>
             </a:r>
           </a:p>
           <a:p>
             <a:pPr lvl="4"/>
             <a:r>
-              <a:rPr lang="zh-CN" altLang="en-US" smtClean="0"/>
+              <a:rPr lang="zh-CN" altLang="en-US"/>
               <a:t>第五级</a:t>
             </a:r>
-            <a:endParaRPr lang="zh-CN" altLang="en-US"/>
           </a:p>
         </p:txBody>
       </p:sp>
@@ -1890,7 +1890,7 @@
           <a:p>
             <a:pPr lvl="0"/>
             <a:r>
-              <a:rPr lang="zh-CN" altLang="en-US" smtClean="0"/>
+              <a:rPr lang="zh-CN" altLang="en-US"/>
               <a:t>单击此处编辑母版文本样式</a:t>
             </a:r>
           </a:p>
@@ -1918,38 +1918,37 @@
           <a:p>
             <a:pPr lvl="0"/>
             <a:r>
-              <a:rPr lang="zh-CN" altLang="en-US" smtClean="0"/>
+              <a:rPr lang="zh-CN" altLang="en-US"/>
               <a:t>单击此处编辑母版文本样式</a:t>
             </a:r>
           </a:p>
           <a:p>
             <a:pPr lvl="1"/>
             <a:r>
-              <a:rPr lang="zh-CN" altLang="en-US" smtClean="0"/>
+              <a:rPr lang="zh-CN" altLang="en-US"/>
               <a:t>第二级</a:t>
             </a:r>
           </a:p>
           <a:p>
             <a:pPr lvl="2"/>
             <a:r>
-              <a:rPr lang="zh-CN" altLang="en-US" smtClean="0"/>
+              <a:rPr lang="zh-CN" altLang="en-US"/>
               <a:t>第三级</a:t>
             </a:r>
           </a:p>
           <a:p>
             <a:pPr lvl="3"/>
             <a:r>
-              <a:rPr lang="zh-CN" altLang="en-US" smtClean="0"/>
+              <a:rPr lang="zh-CN" altLang="en-US"/>
               <a:t>第四级</a:t>
             </a:r>
           </a:p>
           <a:p>
             <a:pPr lvl="4"/>
             <a:r>
-              <a:rPr lang="zh-CN" altLang="en-US" smtClean="0"/>
+              <a:rPr lang="zh-CN" altLang="en-US"/>
               <a:t>第五级</a:t>
             </a:r>
-            <a:endParaRPr lang="zh-CN" altLang="en-US"/>
           </a:p>
         </p:txBody>
       </p:sp>
@@ -1970,7 +1969,7 @@
           <a:p>
             <a:fld id="{A00373F1-C483-4E1C-A4C8-62A50B86877C}" type="datetimeFigureOut">
               <a:rPr lang="zh-CN" altLang="en-US" smtClean="0"/>
-              <a:t>2016/3/28</a:t>
+              <a:t>2017/5/31</a:t>
             </a:fld>
             <a:endParaRPr lang="zh-CN" altLang="en-US"/>
           </a:p>
@@ -2064,10 +2063,9 @@
           <a:lstStyle/>
           <a:p>
             <a:r>
-              <a:rPr lang="zh-CN" altLang="en-US" smtClean="0"/>
+              <a:rPr lang="zh-CN" altLang="en-US"/>
               <a:t>单击此处编辑母版标题样式</a:t>
             </a:r>
-            <a:endParaRPr lang="zh-CN" altLang="en-US"/>
           </a:p>
         </p:txBody>
       </p:sp>
@@ -2088,7 +2086,7 @@
           <a:p>
             <a:fld id="{A00373F1-C483-4E1C-A4C8-62A50B86877C}" type="datetimeFigureOut">
               <a:rPr lang="zh-CN" altLang="en-US" smtClean="0"/>
-              <a:t>2016/3/28</a:t>
+              <a:t>2017/5/31</a:t>
             </a:fld>
             <a:endParaRPr lang="zh-CN" altLang="en-US"/>
           </a:p>
@@ -2183,7 +2181,7 @@
           <a:p>
             <a:fld id="{A00373F1-C483-4E1C-A4C8-62A50B86877C}" type="datetimeFigureOut">
               <a:rPr lang="zh-CN" altLang="en-US" smtClean="0"/>
-              <a:t>2016/3/28</a:t>
+              <a:t>2017/5/31</a:t>
             </a:fld>
             <a:endParaRPr lang="zh-CN" altLang="en-US"/>
           </a:p>
@@ -2286,10 +2284,9 @@
           </a:lstStyle>
           <a:p>
             <a:r>
-              <a:rPr lang="zh-CN" altLang="en-US" smtClean="0"/>
+              <a:rPr lang="zh-CN" altLang="en-US"/>
               <a:t>单击此处编辑母版标题样式</a:t>
             </a:r>
-            <a:endParaRPr lang="zh-CN" altLang="en-US"/>
           </a:p>
         </p:txBody>
       </p:sp>
@@ -2343,38 +2340,37 @@
           <a:p>
             <a:pPr lvl="0"/>
             <a:r>
-              <a:rPr lang="zh-CN" altLang="en-US" smtClean="0"/>
+              <a:rPr lang="zh-CN" altLang="en-US"/>
               <a:t>单击此处编辑母版文本样式</a:t>
             </a:r>
           </a:p>
           <a:p>
             <a:pPr lvl="1"/>
             <a:r>
-              <a:rPr lang="zh-CN" altLang="en-US" smtClean="0"/>
+              <a:rPr lang="zh-CN" altLang="en-US"/>
               <a:t>第二级</a:t>
             </a:r>
           </a:p>
           <a:p>
             <a:pPr lvl="2"/>
             <a:r>
-              <a:rPr lang="zh-CN" altLang="en-US" smtClean="0"/>
+              <a:rPr lang="zh-CN" altLang="en-US"/>
               <a:t>第三级</a:t>
             </a:r>
           </a:p>
           <a:p>
             <a:pPr lvl="3"/>
             <a:r>
-              <a:rPr lang="zh-CN" altLang="en-US" smtClean="0"/>
+              <a:rPr lang="zh-CN" altLang="en-US"/>
               <a:t>第四级</a:t>
             </a:r>
           </a:p>
           <a:p>
             <a:pPr lvl="4"/>
             <a:r>
-              <a:rPr lang="zh-CN" altLang="en-US" smtClean="0"/>
+              <a:rPr lang="zh-CN" altLang="en-US"/>
               <a:t>第五级</a:t>
             </a:r>
-            <a:endParaRPr lang="zh-CN" altLang="en-US"/>
           </a:p>
         </p:txBody>
       </p:sp>
@@ -2437,7 +2433,7 @@
           <a:p>
             <a:pPr lvl="0"/>
             <a:r>
-              <a:rPr lang="zh-CN" altLang="en-US" smtClean="0"/>
+              <a:rPr lang="zh-CN" altLang="en-US"/>
               <a:t>单击此处编辑母版文本样式</a:t>
             </a:r>
           </a:p>
@@ -2460,7 +2456,7 @@
           <a:p>
             <a:fld id="{A00373F1-C483-4E1C-A4C8-62A50B86877C}" type="datetimeFigureOut">
               <a:rPr lang="zh-CN" altLang="en-US" smtClean="0"/>
-              <a:t>2016/3/28</a:t>
+              <a:t>2017/5/31</a:t>
             </a:fld>
             <a:endParaRPr lang="zh-CN" altLang="en-US"/>
           </a:p>
@@ -2563,10 +2559,9 @@
           </a:lstStyle>
           <a:p>
             <a:r>
-              <a:rPr lang="zh-CN" altLang="en-US" smtClean="0"/>
+              <a:rPr lang="zh-CN" altLang="en-US"/>
               <a:t>单击此处编辑母版标题样式</a:t>
             </a:r>
-            <a:endParaRPr lang="zh-CN" altLang="en-US"/>
           </a:p>
         </p:txBody>
       </p:sp>
@@ -2690,7 +2685,7 @@
           <a:p>
             <a:pPr lvl="0"/>
             <a:r>
-              <a:rPr lang="zh-CN" altLang="en-US" smtClean="0"/>
+              <a:rPr lang="zh-CN" altLang="en-US"/>
               <a:t>单击此处编辑母版文本样式</a:t>
             </a:r>
           </a:p>
@@ -2713,7 +2708,7 @@
           <a:p>
             <a:fld id="{A00373F1-C483-4E1C-A4C8-62A50B86877C}" type="datetimeFigureOut">
               <a:rPr lang="zh-CN" altLang="en-US" smtClean="0"/>
-              <a:t>2016/3/28</a:t>
+              <a:t>2017/5/31</a:t>
             </a:fld>
             <a:endParaRPr lang="zh-CN" altLang="en-US"/>
           </a:p>
@@ -2822,10 +2817,9 @@
           <a:lstStyle/>
           <a:p>
             <a:r>
-              <a:rPr lang="zh-CN" altLang="en-US" smtClean="0"/>
+              <a:rPr lang="zh-CN" altLang="en-US"/>
               <a:t>单击此处编辑母版标题样式</a:t>
             </a:r>
-            <a:endParaRPr lang="zh-CN" altLang="en-US"/>
           </a:p>
         </p:txBody>
       </p:sp>
@@ -2856,38 +2850,37 @@
           <a:p>
             <a:pPr lvl="0"/>
             <a:r>
-              <a:rPr lang="zh-CN" altLang="en-US" smtClean="0"/>
+              <a:rPr lang="zh-CN" altLang="en-US"/>
               <a:t>单击此处编辑母版文本样式</a:t>
             </a:r>
           </a:p>
           <a:p>
             <a:pPr lvl="1"/>
             <a:r>
-              <a:rPr lang="zh-CN" altLang="en-US" smtClean="0"/>
+              <a:rPr lang="zh-CN" altLang="en-US"/>
               <a:t>第二级</a:t>
             </a:r>
           </a:p>
           <a:p>
             <a:pPr lvl="2"/>
             <a:r>
-              <a:rPr lang="zh-CN" altLang="en-US" smtClean="0"/>
+              <a:rPr lang="zh-CN" altLang="en-US"/>
               <a:t>第三级</a:t>
             </a:r>
           </a:p>
           <a:p>
             <a:pPr lvl="3"/>
             <a:r>
-              <a:rPr lang="zh-CN" altLang="en-US" smtClean="0"/>
+              <a:rPr lang="zh-CN" altLang="en-US"/>
               <a:t>第四级</a:t>
             </a:r>
           </a:p>
           <a:p>
             <a:pPr lvl="4"/>
             <a:r>
-              <a:rPr lang="zh-CN" altLang="en-US" smtClean="0"/>
+              <a:rPr lang="zh-CN" altLang="en-US"/>
               <a:t>第五级</a:t>
             </a:r>
-            <a:endParaRPr lang="zh-CN" altLang="en-US"/>
           </a:p>
         </p:txBody>
       </p:sp>
@@ -2926,7 +2919,7 @@
           <a:p>
             <a:fld id="{A00373F1-C483-4E1C-A4C8-62A50B86877C}" type="datetimeFigureOut">
               <a:rPr lang="zh-CN" altLang="en-US" smtClean="0"/>
-              <a:t>2016/3/28</a:t>
+              <a:t>2017/5/31</a:t>
             </a:fld>
             <a:endParaRPr lang="zh-CN" altLang="en-US"/>
           </a:p>
@@ -3333,67 +3326,14 @@
       </p:grpSpPr>
       <p:sp>
         <p:nvSpPr>
-          <p:cNvPr id="56" name="矩形 55"/>
-          <p:cNvSpPr/>
-          <p:nvPr/>
-        </p:nvSpPr>
-        <p:spPr>
-          <a:xfrm>
-            <a:off x="3019425" y="1638300"/>
-            <a:ext cx="3759199" cy="2226470"/>
-          </a:xfrm>
-          <a:prstGeom prst="rect">
-            <a:avLst/>
-          </a:prstGeom>
-          <a:ln w="6350" cmpd="sng">
-            <a:prstDash val="lgDashDot"/>
-          </a:ln>
-        </p:spPr>
-        <p:style>
-          <a:lnRef idx="2">
-            <a:schemeClr val="dk1"/>
-          </a:lnRef>
-          <a:fillRef idx="1">
-            <a:schemeClr val="lt1"/>
-          </a:fillRef>
-          <a:effectRef idx="0">
-            <a:schemeClr val="dk1"/>
-          </a:effectRef>
-          <a:fontRef idx="minor">
-            <a:schemeClr val="dk1"/>
-          </a:fontRef>
-        </p:style>
-        <p:txBody>
-          <a:bodyPr rtlCol="0" anchor="t"/>
-          <a:lstStyle/>
-          <a:p>
-            <a:pPr algn="ctr"/>
-            <a:r>
-              <a:rPr lang="zh-CN" altLang="en-US" sz="1100" dirty="0" smtClean="0"/>
-              <a:t>基于抽象和学习</a:t>
-            </a:r>
-            <a:r>
-              <a:rPr lang="zh-CN" altLang="en-US" sz="1100" dirty="0" smtClean="0"/>
-              <a:t>的模型</a:t>
-            </a:r>
-            <a:r>
-              <a:rPr lang="zh-CN" altLang="en-US" sz="1100" dirty="0" smtClean="0"/>
-              <a:t>预处理器</a:t>
-            </a:r>
-            <a:endParaRPr lang="zh-CN" altLang="en-US" sz="1100" dirty="0"/>
-          </a:p>
-        </p:txBody>
-      </p:sp>
-      <p:sp>
-        <p:nvSpPr>
           <p:cNvPr id="2" name="圆角矩形 1"/>
           <p:cNvSpPr/>
           <p:nvPr/>
         </p:nvSpPr>
         <p:spPr>
           <a:xfrm>
-            <a:off x="3237470" y="1938867"/>
-            <a:ext cx="1020206" cy="690030"/>
+            <a:off x="5843825" y="2963246"/>
+            <a:ext cx="1155481" cy="690030"/>
           </a:xfrm>
           <a:prstGeom prst="roundRect">
             <a:avLst/>
@@ -3426,19 +3366,7 @@
           <a:lstStyle/>
           <a:p>
             <a:pPr algn="ctr"/>
-            <a:r>
-              <a:rPr lang="zh-CN" altLang="en-US" sz="1400" dirty="0"/>
-              <a:t>基于</a:t>
-            </a:r>
-            <a:r>
-              <a:rPr lang="zh-CN" altLang="en-US" sz="1400" dirty="0" smtClean="0"/>
-              <a:t>属性</a:t>
-            </a:r>
-            <a:r>
-              <a:rPr lang="zh-CN" altLang="en-US" sz="1400" dirty="0" smtClean="0"/>
-              <a:t>的投影</a:t>
-            </a:r>
-            <a:endParaRPr lang="zh-CN" altLang="en-US" sz="1400" dirty="0"/>
+            <a:endParaRPr lang="zh-CN" altLang="en-US" sz="1100" dirty="0"/>
           </a:p>
         </p:txBody>
       </p:sp>
@@ -3450,8 +3378,8 @@
         </p:nvSpPr>
         <p:spPr>
           <a:xfrm>
-            <a:off x="4614863" y="1938867"/>
-            <a:ext cx="1498070" cy="690031"/>
+            <a:off x="7347754" y="2959424"/>
+            <a:ext cx="1307139" cy="690031"/>
           </a:xfrm>
           <a:prstGeom prst="roundRect">
             <a:avLst/>
@@ -3484,11 +3412,7 @@
           <a:lstStyle/>
           <a:p>
             <a:pPr algn="ctr"/>
-            <a:r>
-              <a:rPr lang="zh-CN" altLang="en-US" sz="1400" dirty="0" smtClean="0"/>
-              <a:t>基于主成分分析的特征降维</a:t>
-            </a:r>
-            <a:endParaRPr lang="zh-CN" altLang="en-US" sz="1400" dirty="0"/>
+            <a:endParaRPr lang="zh-CN" altLang="en-US" sz="900" dirty="0"/>
           </a:p>
         </p:txBody>
       </p:sp>
@@ -3500,8 +3424,8 @@
         </p:nvSpPr>
         <p:spPr>
           <a:xfrm>
-            <a:off x="5795962" y="2741919"/>
-            <a:ext cx="919162" cy="563635"/>
+            <a:off x="8397028" y="3836112"/>
+            <a:ext cx="998747" cy="594423"/>
           </a:xfrm>
           <a:prstGeom prst="roundRect">
             <a:avLst/>
@@ -3534,10 +3458,6 @@
           <a:lstStyle/>
           <a:p>
             <a:pPr algn="ctr"/>
-            <a:r>
-              <a:rPr lang="zh-CN" altLang="en-US" sz="1400" dirty="0" smtClean="0"/>
-              <a:t>关键点抽取</a:t>
-            </a:r>
             <a:endParaRPr lang="zh-CN" altLang="en-US" sz="1400" dirty="0"/>
           </a:p>
         </p:txBody>
@@ -3550,8 +3470,8 @@
         </p:nvSpPr>
         <p:spPr>
           <a:xfrm>
-            <a:off x="3237470" y="2808172"/>
-            <a:ext cx="2210830" cy="425930"/>
+            <a:off x="6059627" y="3850770"/>
+            <a:ext cx="1876373" cy="579765"/>
           </a:xfrm>
           <a:prstGeom prst="roundRect">
             <a:avLst/>
@@ -3584,113 +3504,7 @@
           <a:lstStyle/>
           <a:p>
             <a:pPr algn="ctr"/>
-            <a:r>
-              <a:rPr lang="zh-CN" altLang="en-US" sz="1400" dirty="0" smtClean="0"/>
-              <a:t>前缀频率树的构建和约减</a:t>
-            </a:r>
             <a:endParaRPr lang="zh-CN" altLang="en-US" sz="1400" dirty="0"/>
-          </a:p>
-        </p:txBody>
-      </p:sp>
-      <p:sp>
-        <p:nvSpPr>
-          <p:cNvPr id="35" name="圆角矩形 34"/>
-          <p:cNvSpPr/>
-          <p:nvPr/>
-        </p:nvSpPr>
-        <p:spPr>
-          <a:xfrm>
-            <a:off x="5795962" y="3487141"/>
-            <a:ext cx="919161" cy="323132"/>
-          </a:xfrm>
-          <a:prstGeom prst="roundRect">
-            <a:avLst/>
-          </a:prstGeom>
-          <a:solidFill>
-            <a:schemeClr val="bg2"/>
-          </a:solidFill>
-          <a:ln w="12700">
-            <a:solidFill>
-              <a:schemeClr val="tx1"/>
-            </a:solidFill>
-            <a:prstDash val="dash"/>
-          </a:ln>
-        </p:spPr>
-        <p:style>
-          <a:lnRef idx="1">
-            <a:schemeClr val="accent3"/>
-          </a:lnRef>
-          <a:fillRef idx="2">
-            <a:schemeClr val="accent3"/>
-          </a:fillRef>
-          <a:effectRef idx="1">
-            <a:schemeClr val="accent3"/>
-          </a:effectRef>
-          <a:fontRef idx="minor">
-            <a:schemeClr val="dk1"/>
-          </a:fontRef>
-        </p:style>
-        <p:txBody>
-          <a:bodyPr rtlCol="0" anchor="ctr"/>
-          <a:lstStyle/>
-          <a:p>
-            <a:pPr algn="ctr"/>
-            <a:r>
-              <a:rPr lang="zh-CN" altLang="en-US" sz="1050" dirty="0" smtClean="0"/>
-              <a:t>启发式优化</a:t>
-            </a:r>
-            <a:endParaRPr lang="zh-CN" altLang="en-US" sz="1050" dirty="0"/>
-          </a:p>
-        </p:txBody>
-      </p:sp>
-      <p:sp>
-        <p:nvSpPr>
-          <p:cNvPr id="36" name="圆角矩形 35"/>
-          <p:cNvSpPr/>
-          <p:nvPr/>
-        </p:nvSpPr>
-        <p:spPr>
-          <a:xfrm>
-            <a:off x="3651186" y="3487141"/>
-            <a:ext cx="1797114" cy="323132"/>
-          </a:xfrm>
-          <a:prstGeom prst="roundRect">
-            <a:avLst/>
-          </a:prstGeom>
-          <a:solidFill>
-            <a:schemeClr val="bg2"/>
-          </a:solidFill>
-          <a:ln w="12700">
-            <a:solidFill>
-              <a:schemeClr val="tx1"/>
-            </a:solidFill>
-            <a:prstDash val="dash"/>
-          </a:ln>
-        </p:spPr>
-        <p:style>
-          <a:lnRef idx="1">
-            <a:schemeClr val="accent3"/>
-          </a:lnRef>
-          <a:fillRef idx="2">
-            <a:schemeClr val="accent3"/>
-          </a:fillRef>
-          <a:effectRef idx="1">
-            <a:schemeClr val="accent3"/>
-          </a:effectRef>
-          <a:fontRef idx="minor">
-            <a:schemeClr val="dk1"/>
-          </a:fontRef>
-        </p:style>
-        <p:txBody>
-          <a:bodyPr rtlCol="0" anchor="ctr"/>
-          <a:lstStyle/>
-          <a:p>
-            <a:pPr algn="ctr"/>
-            <a:r>
-              <a:rPr lang="zh-CN" altLang="en-US" sz="1050" dirty="0" smtClean="0"/>
-              <a:t>概率有限自动机的构建</a:t>
-            </a:r>
-            <a:endParaRPr lang="zh-CN" altLang="en-US" sz="1050" dirty="0"/>
           </a:p>
         </p:txBody>
       </p:sp>
@@ -3701,9 +3515,9 @@
           <p:nvPr/>
         </p:nvSpPr>
         <p:spPr>
-          <a:xfrm>
-            <a:off x="2936143" y="2021929"/>
-            <a:ext cx="301326" cy="228600"/>
+          <a:xfrm rot="5400000">
+            <a:off x="6542575" y="2596813"/>
+            <a:ext cx="419804" cy="290033"/>
           </a:xfrm>
           <a:prstGeom prst="rightArrow">
             <a:avLst/>
@@ -3750,7 +3564,7 @@
         </p:nvSpPr>
         <p:spPr>
           <a:xfrm>
-            <a:off x="4257676" y="2169582"/>
+            <a:off x="6998394" y="3175828"/>
             <a:ext cx="357187" cy="228600"/>
           </a:xfrm>
           <a:prstGeom prst="rightArrow">
@@ -3798,8 +3612,8 @@
         </p:nvSpPr>
         <p:spPr>
           <a:xfrm rot="10800000">
-            <a:off x="5448300" y="2906837"/>
-            <a:ext cx="347662" cy="228600"/>
+            <a:off x="7946713" y="4027959"/>
+            <a:ext cx="443409" cy="228600"/>
           </a:xfrm>
           <a:prstGeom prst="rightArrow">
             <a:avLst/>
@@ -3840,66 +3654,14 @@
       </p:sp>
       <p:sp>
         <p:nvSpPr>
-          <p:cNvPr id="39" name="右箭头 38"/>
-          <p:cNvSpPr/>
-          <p:nvPr/>
-        </p:nvSpPr>
-        <p:spPr>
-          <a:xfrm rot="5400000">
-            <a:off x="6358126" y="3281683"/>
-            <a:ext cx="180596" cy="228341"/>
-          </a:xfrm>
-          <a:prstGeom prst="rightArrow">
-            <a:avLst>
-              <a:gd name="adj1" fmla="val 50000"/>
-              <a:gd name="adj2" fmla="val 33765"/>
-            </a:avLst>
-          </a:prstGeom>
-          <a:solidFill>
-            <a:schemeClr val="bg1"/>
-          </a:solidFill>
-          <a:ln w="9525">
-            <a:solidFill>
-              <a:schemeClr val="tx1"/>
-            </a:solidFill>
-            <a:prstDash val="sysDash"/>
-          </a:ln>
-        </p:spPr>
-        <p:style>
-          <a:lnRef idx="2">
-            <a:schemeClr val="accent1">
-              <a:shade val="50000"/>
-            </a:schemeClr>
-          </a:lnRef>
-          <a:fillRef idx="1">
-            <a:schemeClr val="accent1"/>
-          </a:fillRef>
-          <a:effectRef idx="0">
-            <a:schemeClr val="accent1"/>
-          </a:effectRef>
-          <a:fontRef idx="minor">
-            <a:schemeClr val="lt1"/>
-          </a:fontRef>
-        </p:style>
-        <p:txBody>
-          <a:bodyPr rtlCol="0" anchor="ctr"/>
-          <a:lstStyle/>
-          <a:p>
-            <a:pPr algn="ctr"/>
-            <a:endParaRPr lang="zh-CN" altLang="en-US"/>
-          </a:p>
-        </p:txBody>
-      </p:sp>
-      <p:sp>
-        <p:nvSpPr>
           <p:cNvPr id="40" name="圆角右箭头 39"/>
           <p:cNvSpPr/>
           <p:nvPr/>
         </p:nvSpPr>
         <p:spPr>
           <a:xfrm rot="5400000">
-            <a:off x="6015972" y="2304699"/>
-            <a:ext cx="529413" cy="335491"/>
+            <a:off x="8518047" y="3368735"/>
+            <a:ext cx="599263" cy="335491"/>
           </a:xfrm>
           <a:prstGeom prst="bentArrow">
             <a:avLst>
@@ -3950,228 +3712,28 @@
       </p:sp>
       <p:sp>
         <p:nvSpPr>
-          <p:cNvPr id="44" name="圆角矩形 43"/>
+          <p:cNvPr id="49" name="右箭头 48"/>
           <p:cNvSpPr/>
           <p:nvPr/>
         </p:nvSpPr>
         <p:spPr>
-          <a:xfrm>
-            <a:off x="1612901" y="2378075"/>
-            <a:ext cx="1323240" cy="1020953"/>
-          </a:xfrm>
-          <a:prstGeom prst="roundRect">
-            <a:avLst/>
-          </a:prstGeom>
-          <a:solidFill>
-            <a:schemeClr val="bg1"/>
-          </a:solidFill>
-          <a:ln w="9525" cmpd="sng">
-            <a:solidFill>
-              <a:schemeClr val="tx1"/>
-            </a:solidFill>
-            <a:prstDash val="sysDot"/>
-          </a:ln>
-        </p:spPr>
-        <p:style>
-          <a:lnRef idx="1">
-            <a:schemeClr val="accent3"/>
-          </a:lnRef>
-          <a:fillRef idx="2">
-            <a:schemeClr val="accent3"/>
-          </a:fillRef>
-          <a:effectRef idx="1">
-            <a:schemeClr val="accent3"/>
-          </a:effectRef>
-          <a:fontRef idx="minor">
-            <a:schemeClr val="dk1"/>
-          </a:fontRef>
-        </p:style>
-        <p:txBody>
-          <a:bodyPr rtlCol="0" anchor="t"/>
-          <a:lstStyle/>
-          <a:p>
-            <a:pPr algn="ctr"/>
-            <a:endParaRPr lang="zh-CN" altLang="en-US" sz="1050" dirty="0"/>
-          </a:p>
-        </p:txBody>
-      </p:sp>
-      <p:sp>
-        <p:nvSpPr>
-          <p:cNvPr id="42" name="圆角矩形 41"/>
-          <p:cNvSpPr/>
-          <p:nvPr/>
-        </p:nvSpPr>
-        <p:spPr>
-          <a:xfrm>
-            <a:off x="1700213" y="2641175"/>
-            <a:ext cx="1155130" cy="247853"/>
-          </a:xfrm>
-          <a:prstGeom prst="roundRect">
-            <a:avLst/>
-          </a:prstGeom>
-          <a:solidFill>
-            <a:schemeClr val="bg2"/>
-          </a:solidFill>
-          <a:ln w="12700">
-            <a:solidFill>
-              <a:schemeClr val="tx1"/>
-            </a:solidFill>
-            <a:prstDash val="solid"/>
-          </a:ln>
-        </p:spPr>
-        <p:style>
-          <a:lnRef idx="1">
-            <a:schemeClr val="accent3"/>
-          </a:lnRef>
-          <a:fillRef idx="2">
-            <a:schemeClr val="accent3"/>
-          </a:fillRef>
-          <a:effectRef idx="1">
-            <a:schemeClr val="accent3"/>
-          </a:effectRef>
-          <a:fontRef idx="minor">
-            <a:schemeClr val="dk1"/>
-          </a:fontRef>
-        </p:style>
-        <p:txBody>
-          <a:bodyPr rtlCol="0" anchor="t"/>
-          <a:lstStyle/>
-          <a:p>
-            <a:pPr algn="ctr"/>
-            <a:r>
-              <a:rPr lang="en-US" altLang="zh-CN" sz="1100" dirty="0" smtClean="0"/>
-              <a:t>BIE </a:t>
-            </a:r>
-            <a:r>
-              <a:rPr lang="zh-CN" altLang="en-US" sz="1100" dirty="0" smtClean="0"/>
-              <a:t>统计分析</a:t>
-            </a:r>
-            <a:r>
-              <a:rPr lang="en-US" altLang="zh-CN" sz="1100" dirty="0" smtClean="0"/>
-              <a:t>1</a:t>
-            </a:r>
-            <a:endParaRPr lang="zh-CN" altLang="en-US" sz="1100" dirty="0"/>
-          </a:p>
-        </p:txBody>
-      </p:sp>
-      <p:sp>
-        <p:nvSpPr>
-          <p:cNvPr id="43" name="圆角矩形 42"/>
-          <p:cNvSpPr/>
-          <p:nvPr/>
-        </p:nvSpPr>
-        <p:spPr>
-          <a:xfrm>
-            <a:off x="1700213" y="3086092"/>
-            <a:ext cx="1155130" cy="247853"/>
-          </a:xfrm>
-          <a:prstGeom prst="roundRect">
-            <a:avLst/>
-          </a:prstGeom>
-          <a:solidFill>
-            <a:schemeClr val="bg2"/>
-          </a:solidFill>
-          <a:ln w="12700">
-            <a:solidFill>
-              <a:schemeClr val="tx1"/>
-            </a:solidFill>
-            <a:prstDash val="solid"/>
-          </a:ln>
-        </p:spPr>
-        <p:style>
-          <a:lnRef idx="1">
-            <a:schemeClr val="accent3"/>
-          </a:lnRef>
-          <a:fillRef idx="2">
-            <a:schemeClr val="accent3"/>
-          </a:fillRef>
-          <a:effectRef idx="1">
-            <a:schemeClr val="accent3"/>
-          </a:effectRef>
-          <a:fontRef idx="minor">
-            <a:schemeClr val="dk1"/>
-          </a:fontRef>
-        </p:style>
-        <p:txBody>
-          <a:bodyPr rtlCol="0" anchor="t"/>
-          <a:lstStyle/>
-          <a:p>
-            <a:pPr algn="ctr"/>
-            <a:r>
-              <a:rPr lang="en-US" altLang="zh-CN" sz="1100" dirty="0" smtClean="0"/>
-              <a:t>BIE</a:t>
-            </a:r>
-            <a:r>
-              <a:rPr lang="en-US" altLang="zh-CN" sz="1100" dirty="0"/>
-              <a:t> </a:t>
-            </a:r>
-            <a:r>
-              <a:rPr lang="zh-CN" altLang="en-US" sz="1100" dirty="0" smtClean="0"/>
-              <a:t>统计</a:t>
-            </a:r>
-            <a:r>
-              <a:rPr lang="zh-CN" altLang="en-US" sz="1100" dirty="0" smtClean="0"/>
-              <a:t>分析</a:t>
-            </a:r>
-            <a:r>
-              <a:rPr lang="en-US" altLang="zh-CN" sz="1100" dirty="0" smtClean="0"/>
-              <a:t>m</a:t>
-            </a:r>
-          </a:p>
-        </p:txBody>
-      </p:sp>
-      <p:sp>
-        <p:nvSpPr>
-          <p:cNvPr id="18" name="TextBox 17"/>
-          <p:cNvSpPr txBox="1"/>
-          <p:nvPr/>
-        </p:nvSpPr>
-        <p:spPr>
-          <a:xfrm>
-            <a:off x="2123892" y="2866664"/>
-            <a:ext cx="411349" cy="234404"/>
-          </a:xfrm>
-          <a:prstGeom prst="rect">
-            <a:avLst/>
-          </a:prstGeom>
-          <a:noFill/>
-        </p:spPr>
-        <p:txBody>
-          <a:bodyPr vert="eaVert" wrap="none" rtlCol="0">
-            <a:spAutoFit/>
-          </a:bodyPr>
-          <a:lstStyle/>
-          <a:p>
-            <a:r>
-              <a:rPr lang="en-US" altLang="zh-CN" dirty="0" smtClean="0"/>
-              <a:t>…</a:t>
-            </a:r>
-            <a:endParaRPr lang="zh-CN" altLang="en-US" dirty="0"/>
-          </a:p>
-        </p:txBody>
-      </p:sp>
-      <p:sp>
-        <p:nvSpPr>
-          <p:cNvPr id="48" name="右箭头 47"/>
-          <p:cNvSpPr/>
-          <p:nvPr/>
-        </p:nvSpPr>
-        <p:spPr>
           <a:xfrm rot="10800000">
-            <a:off x="2936142" y="3536521"/>
-            <a:ext cx="715043" cy="228600"/>
+            <a:off x="5542500" y="4070454"/>
+            <a:ext cx="506413" cy="210012"/>
           </a:xfrm>
           <a:prstGeom prst="rightArrow">
-            <a:avLst/>
+            <a:avLst>
+              <a:gd name="adj1" fmla="val 44444"/>
+              <a:gd name="adj2" fmla="val 50000"/>
+            </a:avLst>
           </a:prstGeom>
           <a:solidFill>
             <a:schemeClr val="bg1"/>
           </a:solidFill>
           <a:ln w="9525">
             <a:solidFill>
-              <a:schemeClr val="tx1"/>
+              <a:srgbClr val="003300"/>
             </a:solidFill>
-            <a:prstDash val="sysDash"/>
           </a:ln>
         </p:spPr>
         <p:style>
@@ -4199,306 +3761,6 @@
           </a:p>
         </p:txBody>
       </p:sp>
-      <p:sp>
-        <p:nvSpPr>
-          <p:cNvPr id="49" name="右箭头 48"/>
-          <p:cNvSpPr/>
-          <p:nvPr/>
-        </p:nvSpPr>
-        <p:spPr>
-          <a:xfrm rot="10800000">
-            <a:off x="2936145" y="2906837"/>
-            <a:ext cx="301325" cy="228600"/>
-          </a:xfrm>
-          <a:prstGeom prst="rightArrow">
-            <a:avLst/>
-          </a:prstGeom>
-          <a:solidFill>
-            <a:schemeClr val="bg1"/>
-          </a:solidFill>
-          <a:ln w="9525">
-            <a:solidFill>
-              <a:srgbClr val="003300"/>
-            </a:solidFill>
-          </a:ln>
-        </p:spPr>
-        <p:style>
-          <a:lnRef idx="2">
-            <a:schemeClr val="accent1">
-              <a:shade val="50000"/>
-            </a:schemeClr>
-          </a:lnRef>
-          <a:fillRef idx="1">
-            <a:schemeClr val="accent1"/>
-          </a:fillRef>
-          <a:effectRef idx="0">
-            <a:schemeClr val="accent1"/>
-          </a:effectRef>
-          <a:fontRef idx="minor">
-            <a:schemeClr val="lt1"/>
-          </a:fontRef>
-        </p:style>
-        <p:txBody>
-          <a:bodyPr rtlCol="0" anchor="ctr"/>
-          <a:lstStyle/>
-          <a:p>
-            <a:pPr algn="ctr"/>
-            <a:endParaRPr lang="zh-CN" altLang="en-US"/>
-          </a:p>
-        </p:txBody>
-      </p:sp>
-      <p:sp>
-        <p:nvSpPr>
-          <p:cNvPr id="57" name="椭圆 56"/>
-          <p:cNvSpPr/>
-          <p:nvPr/>
-        </p:nvSpPr>
-        <p:spPr>
-          <a:xfrm>
-            <a:off x="1612901" y="1935147"/>
-            <a:ext cx="1323244" cy="389644"/>
-          </a:xfrm>
-          <a:prstGeom prst="ellipse">
-            <a:avLst/>
-          </a:prstGeom>
-          <a:ln>
-            <a:prstDash val="sysDot"/>
-          </a:ln>
-        </p:spPr>
-        <p:style>
-          <a:lnRef idx="2">
-            <a:schemeClr val="dk1"/>
-          </a:lnRef>
-          <a:fillRef idx="1">
-            <a:schemeClr val="lt1"/>
-          </a:fillRef>
-          <a:effectRef idx="0">
-            <a:schemeClr val="dk1"/>
-          </a:effectRef>
-          <a:fontRef idx="minor">
-            <a:schemeClr val="dk1"/>
-          </a:fontRef>
-        </p:style>
-        <p:txBody>
-          <a:bodyPr rtlCol="0" anchor="ctr"/>
-          <a:lstStyle/>
-          <a:p>
-            <a:pPr algn="ctr"/>
-            <a:r>
-              <a:rPr lang="en-US" altLang="zh-CN" sz="1100" dirty="0" smtClean="0"/>
-              <a:t>Trace</a:t>
-            </a:r>
-            <a:r>
-              <a:rPr lang="zh-CN" altLang="en-US" sz="1100" dirty="0" smtClean="0"/>
-              <a:t>训练集</a:t>
-            </a:r>
-            <a:endParaRPr lang="zh-CN" altLang="en-US" sz="1100" dirty="0"/>
-          </a:p>
-        </p:txBody>
-      </p:sp>
-      <p:sp>
-        <p:nvSpPr>
-          <p:cNvPr id="60" name="右箭头 59"/>
-          <p:cNvSpPr/>
-          <p:nvPr/>
-        </p:nvSpPr>
-        <p:spPr>
-          <a:xfrm rot="16200000">
-            <a:off x="6019533" y="3278578"/>
-            <a:ext cx="186802" cy="228341"/>
-          </a:xfrm>
-          <a:prstGeom prst="rightArrow">
-            <a:avLst>
-              <a:gd name="adj1" fmla="val 50000"/>
-              <a:gd name="adj2" fmla="val 33765"/>
-            </a:avLst>
-          </a:prstGeom>
-          <a:solidFill>
-            <a:schemeClr val="bg1"/>
-          </a:solidFill>
-          <a:ln w="9525">
-            <a:solidFill>
-              <a:schemeClr val="tx1"/>
-            </a:solidFill>
-            <a:prstDash val="sysDash"/>
-          </a:ln>
-        </p:spPr>
-        <p:style>
-          <a:lnRef idx="2">
-            <a:schemeClr val="accent1">
-              <a:shade val="50000"/>
-            </a:schemeClr>
-          </a:lnRef>
-          <a:fillRef idx="1">
-            <a:schemeClr val="accent1"/>
-          </a:fillRef>
-          <a:effectRef idx="0">
-            <a:schemeClr val="accent1"/>
-          </a:effectRef>
-          <a:fontRef idx="minor">
-            <a:schemeClr val="lt1"/>
-          </a:fontRef>
-        </p:style>
-        <p:txBody>
-          <a:bodyPr rtlCol="0" anchor="ctr"/>
-          <a:lstStyle/>
-          <a:p>
-            <a:pPr algn="ctr"/>
-            <a:endParaRPr lang="zh-CN" altLang="en-US"/>
-          </a:p>
-        </p:txBody>
-      </p:sp>
-      <p:sp>
-        <p:nvSpPr>
-          <p:cNvPr id="62" name="右箭头 61"/>
-          <p:cNvSpPr/>
-          <p:nvPr/>
-        </p:nvSpPr>
-        <p:spPr>
-          <a:xfrm rot="5400000">
-            <a:off x="4309419" y="3245828"/>
-            <a:ext cx="252047" cy="228600"/>
-          </a:xfrm>
-          <a:prstGeom prst="rightArrow">
-            <a:avLst/>
-          </a:prstGeom>
-          <a:solidFill>
-            <a:schemeClr val="bg1"/>
-          </a:solidFill>
-          <a:ln w="9525">
-            <a:solidFill>
-              <a:schemeClr val="tx1"/>
-            </a:solidFill>
-            <a:prstDash val="sysDash"/>
-          </a:ln>
-        </p:spPr>
-        <p:style>
-          <a:lnRef idx="2">
-            <a:schemeClr val="accent1">
-              <a:shade val="50000"/>
-            </a:schemeClr>
-          </a:lnRef>
-          <a:fillRef idx="1">
-            <a:schemeClr val="accent1"/>
-          </a:fillRef>
-          <a:effectRef idx="0">
-            <a:schemeClr val="accent1"/>
-          </a:effectRef>
-          <a:fontRef idx="minor">
-            <a:schemeClr val="lt1"/>
-          </a:fontRef>
-        </p:style>
-        <p:txBody>
-          <a:bodyPr rtlCol="0" anchor="ctr"/>
-          <a:lstStyle/>
-          <a:p>
-            <a:pPr algn="ctr"/>
-            <a:endParaRPr lang="zh-CN" altLang="en-US"/>
-          </a:p>
-        </p:txBody>
-      </p:sp>
-      <p:sp>
-        <p:nvSpPr>
-          <p:cNvPr id="63" name="椭圆 62"/>
-          <p:cNvSpPr/>
-          <p:nvPr/>
-        </p:nvSpPr>
-        <p:spPr>
-          <a:xfrm>
-            <a:off x="1612901" y="3467099"/>
-            <a:ext cx="1323244" cy="353755"/>
-          </a:xfrm>
-          <a:prstGeom prst="ellipse">
-            <a:avLst/>
-          </a:prstGeom>
-          <a:ln>
-            <a:prstDash val="sysDot"/>
-          </a:ln>
-        </p:spPr>
-        <p:style>
-          <a:lnRef idx="2">
-            <a:schemeClr val="dk1"/>
-          </a:lnRef>
-          <a:fillRef idx="1">
-            <a:schemeClr val="lt1"/>
-          </a:fillRef>
-          <a:effectRef idx="0">
-            <a:schemeClr val="dk1"/>
-          </a:effectRef>
-          <a:fontRef idx="minor">
-            <a:schemeClr val="dk1"/>
-          </a:fontRef>
-        </p:style>
-        <p:txBody>
-          <a:bodyPr rtlCol="0" anchor="ctr"/>
-          <a:lstStyle/>
-          <a:p>
-            <a:pPr algn="ctr"/>
-            <a:r>
-              <a:rPr lang="zh-CN" altLang="en-US" sz="1100" dirty="0" smtClean="0"/>
-              <a:t>辅助分析</a:t>
-            </a:r>
-            <a:endParaRPr lang="zh-CN" altLang="en-US" sz="1100" dirty="0"/>
-          </a:p>
-        </p:txBody>
-      </p:sp>
-      <p:graphicFrame>
-        <p:nvGraphicFramePr>
-          <p:cNvPr id="64" name="对象 63"/>
-          <p:cNvGraphicFramePr>
-            <a:graphicFrameLocks noChangeAspect="1"/>
-          </p:cNvGraphicFramePr>
-          <p:nvPr>
-            <p:extLst>
-              <p:ext uri="{D42A27DB-BD31-4B8C-83A1-F6EECF244321}">
-                <p14:modId xmlns:p14="http://schemas.microsoft.com/office/powerpoint/2010/main" val="2936193988"/>
-              </p:ext>
-            </p:extLst>
-          </p:nvPr>
-        </p:nvGraphicFramePr>
-        <p:xfrm>
-          <a:off x="2855344" y="1857289"/>
-          <a:ext cx="299356" cy="236138"/>
-        </p:xfrm>
-        <a:graphic>
-          <a:graphicData uri="http://schemas.openxmlformats.org/presentationml/2006/ole">
-            <mc:AlternateContent xmlns:mc="http://schemas.openxmlformats.org/markup-compatibility/2006">
-              <mc:Choice xmlns:v="urn:schemas-microsoft-com:vml" Requires="v">
-                <p:oleObj spid="_x0000_s5110" name="Equation" r:id="rId3" imgW="330120" imgH="241200" progId="Equation.DSMT4">
-                  <p:embed/>
-                </p:oleObj>
-              </mc:Choice>
-              <mc:Fallback>
-                <p:oleObj name="Equation" r:id="rId3" imgW="330120" imgH="241200" progId="Equation.DSMT4">
-                  <p:embed/>
-                  <p:pic>
-                    <p:nvPicPr>
-                      <p:cNvPr id="0" name=""/>
-                      <p:cNvPicPr/>
-                      <p:nvPr/>
-                    </p:nvPicPr>
-                    <p:blipFill>
-                      <a:blip r:embed="rId4"/>
-                      <a:stretch>
-                        <a:fillRect/>
-                      </a:stretch>
-                    </p:blipFill>
-                    <p:spPr>
-                      <a:xfrm>
-                        <a:off x="2855344" y="1857289"/>
-                        <a:ext cx="299356" cy="236138"/>
-                      </a:xfrm>
-                      <a:prstGeom prst="rect">
-                        <a:avLst/>
-                      </a:prstGeom>
-                    </p:spPr>
-                  </p:pic>
-                </p:oleObj>
-              </mc:Fallback>
-            </mc:AlternateContent>
-          </a:graphicData>
-        </a:graphic>
-      </p:graphicFrame>
       <p:graphicFrame>
         <p:nvGraphicFramePr>
           <p:cNvPr id="65" name="对象 64"/>
@@ -4508,25 +3770,25 @@
           <p:nvPr>
             <p:extLst>
               <p:ext uri="{D42A27DB-BD31-4B8C-83A1-F6EECF244321}">
-                <p14:modId xmlns:p14="http://schemas.microsoft.com/office/powerpoint/2010/main" val="3493200914"/>
+                <p14:modId xmlns:p14="http://schemas.microsoft.com/office/powerpoint/2010/main" val="3466838962"/>
               </p:ext>
             </p:extLst>
           </p:nvPr>
         </p:nvGraphicFramePr>
         <p:xfrm>
-          <a:off x="4247637" y="2004541"/>
+          <a:off x="7003801" y="2966962"/>
           <a:ext cx="273563" cy="236538"/>
         </p:xfrm>
         <a:graphic>
           <a:graphicData uri="http://schemas.openxmlformats.org/presentationml/2006/ole">
             <mc:AlternateContent xmlns:mc="http://schemas.openxmlformats.org/markup-compatibility/2006">
               <mc:Choice xmlns:v="urn:schemas-microsoft-com:vml" Requires="v">
-                <p:oleObj spid="_x0000_s5111" name="Equation" r:id="rId5" imgW="304560" imgH="241200" progId="Equation.DSMT4">
+                <p:oleObj spid="_x0000_s7874" name="Equation" r:id="rId3" imgW="304560" imgH="241200" progId="Equation.DSMT4">
                   <p:embed/>
                 </p:oleObj>
               </mc:Choice>
               <mc:Fallback>
-                <p:oleObj name="Equation" r:id="rId5" imgW="304560" imgH="241200" progId="Equation.DSMT4">
+                <p:oleObj name="Equation" r:id="rId3" imgW="304560" imgH="241200" progId="Equation.DSMT4">
                   <p:embed/>
                   <p:pic>
                     <p:nvPicPr>
@@ -4537,7 +3799,7 @@
                       <p:nvPr/>
                     </p:nvPicPr>
                     <p:blipFill>
-                      <a:blip r:embed="rId6"/>
+                      <a:blip r:embed="rId4"/>
                       <a:srcRect/>
                       <a:stretch>
                         <a:fillRect/>
@@ -4545,7 +3807,7 @@
                     </p:blipFill>
                     <p:spPr bwMode="auto">
                       <a:xfrm>
-                        <a:off x="4247637" y="2004541"/>
+                        <a:off x="7003801" y="2966962"/>
                         <a:ext cx="273563" cy="236538"/>
                       </a:xfrm>
                       <a:prstGeom prst="rect">
@@ -4573,25 +3835,25 @@
           <p:nvPr>
             <p:extLst>
               <p:ext uri="{D42A27DB-BD31-4B8C-83A1-F6EECF244321}">
-                <p14:modId xmlns:p14="http://schemas.microsoft.com/office/powerpoint/2010/main" val="3574144838"/>
+                <p14:modId xmlns:p14="http://schemas.microsoft.com/office/powerpoint/2010/main" val="3238844213"/>
               </p:ext>
             </p:extLst>
           </p:nvPr>
         </p:nvGraphicFramePr>
         <p:xfrm>
-          <a:off x="6108171" y="1995014"/>
+          <a:off x="8930454" y="3391010"/>
           <a:ext cx="298246" cy="236539"/>
         </p:xfrm>
         <a:graphic>
           <a:graphicData uri="http://schemas.openxmlformats.org/presentationml/2006/ole">
             <mc:AlternateContent xmlns:mc="http://schemas.openxmlformats.org/markup-compatibility/2006">
               <mc:Choice xmlns:v="urn:schemas-microsoft-com:vml" Requires="v">
-                <p:oleObj spid="_x0000_s5112" name="Equation" r:id="rId7" imgW="330120" imgH="241200" progId="Equation.DSMT4">
+                <p:oleObj spid="_x0000_s7875" name="Equation" r:id="rId5" imgW="330120" imgH="241200" progId="Equation.DSMT4">
                   <p:embed/>
                 </p:oleObj>
               </mc:Choice>
               <mc:Fallback>
-                <p:oleObj name="Equation" r:id="rId7" imgW="330120" imgH="241200" progId="Equation.DSMT4">
+                <p:oleObj name="Equation" r:id="rId5" imgW="330120" imgH="241200" progId="Equation.DSMT4">
                   <p:embed/>
                   <p:pic>
                     <p:nvPicPr>
@@ -4602,7 +3864,7 @@
                       <p:nvPr/>
                     </p:nvPicPr>
                     <p:blipFill>
-                      <a:blip r:embed="rId8"/>
+                      <a:blip r:embed="rId6"/>
                       <a:srcRect/>
                       <a:stretch>
                         <a:fillRect/>
@@ -4610,7 +3872,7 @@
                     </p:blipFill>
                     <p:spPr bwMode="auto">
                       <a:xfrm>
-                        <a:off x="6108171" y="1995014"/>
+                        <a:off x="8930454" y="3391010"/>
                         <a:ext cx="298246" cy="236539"/>
                       </a:xfrm>
                       <a:prstGeom prst="rect">
@@ -4638,25 +3900,25 @@
           <p:nvPr>
             <p:extLst>
               <p:ext uri="{D42A27DB-BD31-4B8C-83A1-F6EECF244321}">
-                <p14:modId xmlns:p14="http://schemas.microsoft.com/office/powerpoint/2010/main" val="348877993"/>
+                <p14:modId xmlns:p14="http://schemas.microsoft.com/office/powerpoint/2010/main" val="3125608563"/>
               </p:ext>
             </p:extLst>
           </p:nvPr>
         </p:nvGraphicFramePr>
         <p:xfrm>
-          <a:off x="5512766" y="2740025"/>
+          <a:off x="8116229" y="3862596"/>
           <a:ext cx="287961" cy="236539"/>
         </p:xfrm>
         <a:graphic>
           <a:graphicData uri="http://schemas.openxmlformats.org/presentationml/2006/ole">
             <mc:AlternateContent xmlns:mc="http://schemas.openxmlformats.org/markup-compatibility/2006">
               <mc:Choice xmlns:v="urn:schemas-microsoft-com:vml" Requires="v">
-                <p:oleObj spid="_x0000_s5113" name="Equation" r:id="rId9" imgW="317160" imgH="241200" progId="Equation.DSMT4">
+                <p:oleObj spid="_x0000_s7876" name="Equation" r:id="rId7" imgW="317160" imgH="241200" progId="Equation.DSMT4">
                   <p:embed/>
                 </p:oleObj>
               </mc:Choice>
               <mc:Fallback>
-                <p:oleObj name="Equation" r:id="rId9" imgW="317160" imgH="241200" progId="Equation.DSMT4">
+                <p:oleObj name="Equation" r:id="rId7" imgW="317160" imgH="241200" progId="Equation.DSMT4">
                   <p:embed/>
                   <p:pic>
                     <p:nvPicPr>
@@ -4667,7 +3929,7 @@
                       <p:nvPr/>
                     </p:nvPicPr>
                     <p:blipFill>
-                      <a:blip r:embed="rId10"/>
+                      <a:blip r:embed="rId8"/>
                       <a:srcRect/>
                       <a:stretch>
                         <a:fillRect/>
@@ -4675,7 +3937,7 @@
                     </p:blipFill>
                     <p:spPr bwMode="auto">
                       <a:xfrm>
-                        <a:off x="5512766" y="2740025"/>
+                        <a:off x="8116229" y="3862596"/>
                         <a:ext cx="287961" cy="236539"/>
                       </a:xfrm>
                       <a:prstGeom prst="rect">
@@ -4694,62 +3956,656 @@
           </a:graphicData>
         </a:graphic>
       </p:graphicFrame>
+      <p:sp>
+        <p:nvSpPr>
+          <p:cNvPr id="4" name="文本框 3"/>
+          <p:cNvSpPr txBox="1"/>
+          <p:nvPr/>
+        </p:nvSpPr>
+        <p:spPr>
+          <a:xfrm>
+            <a:off x="5758302" y="3067626"/>
+            <a:ext cx="1320982" cy="461665"/>
+          </a:xfrm>
+          <a:prstGeom prst="rect">
+            <a:avLst/>
+          </a:prstGeom>
+          <a:noFill/>
+        </p:spPr>
+        <p:txBody>
+          <a:bodyPr wrap="square" rtlCol="0">
+            <a:spAutoFit/>
+          </a:bodyPr>
+          <a:lstStyle/>
+          <a:p>
+            <a:pPr algn="ctr"/>
+            <a:r>
+              <a:rPr lang="en-US" altLang="zh-CN" sz="1200" dirty="0"/>
+              <a:t>Property-based</a:t>
+            </a:r>
+          </a:p>
+          <a:p>
+            <a:pPr algn="ctr"/>
+            <a:r>
+              <a:rPr lang="en-US" altLang="zh-CN" sz="1200" dirty="0"/>
+              <a:t> Projection</a:t>
+            </a:r>
+          </a:p>
+        </p:txBody>
+      </p:sp>
+      <p:sp>
+        <p:nvSpPr>
+          <p:cNvPr id="24" name="文本框 23"/>
+          <p:cNvSpPr txBox="1"/>
+          <p:nvPr/>
+        </p:nvSpPr>
+        <p:spPr>
+          <a:xfrm>
+            <a:off x="8465784" y="3898710"/>
+            <a:ext cx="868397" cy="461665"/>
+          </a:xfrm>
+          <a:prstGeom prst="rect">
+            <a:avLst/>
+          </a:prstGeom>
+          <a:noFill/>
+        </p:spPr>
+        <p:txBody>
+          <a:bodyPr wrap="square" rtlCol="0">
+            <a:spAutoFit/>
+          </a:bodyPr>
+          <a:lstStyle/>
+          <a:p>
+            <a:pPr algn="ctr"/>
+            <a:r>
+              <a:rPr lang="en-US" altLang="zh-CN" sz="1200" dirty="0"/>
+              <a:t>Key States Extraction</a:t>
+            </a:r>
+            <a:endParaRPr lang="zh-CN" altLang="en-US" sz="1200" dirty="0"/>
+          </a:p>
+        </p:txBody>
+      </p:sp>
+      <p:sp>
+        <p:nvSpPr>
+          <p:cNvPr id="25" name="文本框 24"/>
+          <p:cNvSpPr txBox="1"/>
+          <p:nvPr/>
+        </p:nvSpPr>
+        <p:spPr>
+          <a:xfrm>
+            <a:off x="7331692" y="2975138"/>
+            <a:ext cx="1339262" cy="646331"/>
+          </a:xfrm>
+          <a:prstGeom prst="rect">
+            <a:avLst/>
+          </a:prstGeom>
+          <a:noFill/>
+        </p:spPr>
+        <p:txBody>
+          <a:bodyPr wrap="square" rtlCol="0">
+            <a:spAutoFit/>
+          </a:bodyPr>
+          <a:lstStyle/>
+          <a:p>
+            <a:pPr algn="ctr"/>
+            <a:r>
+              <a:rPr lang="en-US" altLang="zh-CN" sz="1200" dirty="0"/>
+              <a:t>PCA-based</a:t>
+            </a:r>
+          </a:p>
+          <a:p>
+            <a:pPr algn="ctr"/>
+            <a:r>
+              <a:rPr lang="en-US" altLang="zh-CN" sz="1200" dirty="0"/>
+              <a:t>Dimension Reduction</a:t>
+            </a:r>
+            <a:endParaRPr lang="zh-CN" altLang="en-US" sz="1200" dirty="0"/>
+          </a:p>
+        </p:txBody>
+      </p:sp>
+      <p:sp>
+        <p:nvSpPr>
+          <p:cNvPr id="27" name="文本框 26"/>
+          <p:cNvSpPr txBox="1"/>
+          <p:nvPr/>
+        </p:nvSpPr>
+        <p:spPr>
+          <a:xfrm>
+            <a:off x="5950190" y="3932208"/>
+            <a:ext cx="2102885" cy="461665"/>
+          </a:xfrm>
+          <a:prstGeom prst="rect">
+            <a:avLst/>
+          </a:prstGeom>
+          <a:noFill/>
+        </p:spPr>
+        <p:txBody>
+          <a:bodyPr wrap="square" rtlCol="0">
+            <a:spAutoFit/>
+          </a:bodyPr>
+          <a:lstStyle/>
+          <a:p>
+            <a:pPr algn="ctr"/>
+            <a:r>
+              <a:rPr lang="en-US" altLang="zh-CN" sz="1200" dirty="0"/>
+              <a:t>Building and Optimization </a:t>
+            </a:r>
+          </a:p>
+          <a:p>
+            <a:pPr algn="ctr"/>
+            <a:r>
+              <a:rPr lang="en-US" altLang="zh-CN" sz="1200" dirty="0"/>
+              <a:t>of PFT</a:t>
+            </a:r>
+          </a:p>
+        </p:txBody>
+      </p:sp>
+      <p:sp>
+        <p:nvSpPr>
+          <p:cNvPr id="11" name="文本框 10"/>
+          <p:cNvSpPr txBox="1"/>
+          <p:nvPr/>
+        </p:nvSpPr>
+        <p:spPr>
+          <a:xfrm>
+            <a:off x="8071179" y="4438518"/>
+            <a:ext cx="1492999" cy="461665"/>
+          </a:xfrm>
+          <a:prstGeom prst="rect">
+            <a:avLst/>
+          </a:prstGeom>
+          <a:noFill/>
+        </p:spPr>
+        <p:txBody>
+          <a:bodyPr wrap="square" rtlCol="0">
+            <a:spAutoFit/>
+          </a:bodyPr>
+          <a:lstStyle/>
+          <a:p>
+            <a:r>
+              <a:rPr lang="en-US" altLang="zh-CN" sz="1200" b="1" dirty="0"/>
+              <a:t>Abstraction process</a:t>
+            </a:r>
+            <a:endParaRPr lang="zh-CN" altLang="en-US" sz="1200" b="1" dirty="0"/>
+          </a:p>
+          <a:p>
+            <a:endParaRPr lang="zh-CN" altLang="en-US" sz="1200" dirty="0"/>
+          </a:p>
+        </p:txBody>
+      </p:sp>
+      <p:sp>
+        <p:nvSpPr>
+          <p:cNvPr id="16" name="文本框 15"/>
+          <p:cNvSpPr txBox="1"/>
+          <p:nvPr/>
+        </p:nvSpPr>
+        <p:spPr>
+          <a:xfrm>
+            <a:off x="6791717" y="2533025"/>
+            <a:ext cx="812804" cy="276999"/>
+          </a:xfrm>
+          <a:prstGeom prst="rect">
+            <a:avLst/>
+          </a:prstGeom>
+          <a:noFill/>
+        </p:spPr>
+        <p:txBody>
+          <a:bodyPr wrap="square" rtlCol="0">
+            <a:spAutoFit/>
+          </a:bodyPr>
+          <a:lstStyle/>
+          <a:p>
+            <a:r>
+              <a:rPr lang="en-US" altLang="zh-CN" sz="1200" dirty="0"/>
+              <a:t>Property</a:t>
+            </a:r>
+            <a:endParaRPr lang="zh-CN" altLang="en-US" sz="1200" dirty="0"/>
+          </a:p>
+        </p:txBody>
+      </p:sp>
+      <p:sp>
+        <p:nvSpPr>
+          <p:cNvPr id="21" name="文本框 20"/>
+          <p:cNvSpPr txBox="1"/>
+          <p:nvPr/>
+        </p:nvSpPr>
+        <p:spPr>
+          <a:xfrm>
+            <a:off x="5955392" y="2531927"/>
+            <a:ext cx="560374" cy="276999"/>
+          </a:xfrm>
+          <a:prstGeom prst="rect">
+            <a:avLst/>
+          </a:prstGeom>
+          <a:noFill/>
+        </p:spPr>
+        <p:txBody>
+          <a:bodyPr wrap="square" rtlCol="0">
+            <a:spAutoFit/>
+          </a:bodyPr>
+          <a:lstStyle/>
+          <a:p>
+            <a:r>
+              <a:rPr lang="en-US" altLang="zh-CN" sz="1200" dirty="0"/>
+              <a:t>Trace</a:t>
+            </a:r>
+            <a:endParaRPr lang="zh-CN" altLang="en-US" sz="1200" dirty="0"/>
+          </a:p>
+        </p:txBody>
+      </p:sp>
+      <p:sp>
+        <p:nvSpPr>
+          <p:cNvPr id="45" name="圆角矩形 44"/>
+          <p:cNvSpPr/>
+          <p:nvPr/>
+        </p:nvSpPr>
+        <p:spPr>
+          <a:xfrm>
+            <a:off x="4305228" y="3263792"/>
+            <a:ext cx="1224394" cy="1468088"/>
+          </a:xfrm>
+          <a:prstGeom prst="roundRect">
+            <a:avLst/>
+          </a:prstGeom>
+          <a:solidFill>
+            <a:schemeClr val="bg2"/>
+          </a:solidFill>
+          <a:ln w="12700">
+            <a:solidFill>
+              <a:schemeClr val="tx1"/>
+            </a:solidFill>
+          </a:ln>
+        </p:spPr>
+        <p:style>
+          <a:lnRef idx="1">
+            <a:schemeClr val="accent3"/>
+          </a:lnRef>
+          <a:fillRef idx="2">
+            <a:schemeClr val="accent3"/>
+          </a:fillRef>
+          <a:effectRef idx="1">
+            <a:schemeClr val="accent3"/>
+          </a:effectRef>
+          <a:fontRef idx="minor">
+            <a:schemeClr val="dk1"/>
+          </a:fontRef>
+        </p:style>
+        <p:txBody>
+          <a:bodyPr rtlCol="0" anchor="ctr"/>
+          <a:lstStyle/>
+          <a:p>
+            <a:pPr algn="ctr"/>
+            <a:endParaRPr lang="zh-CN" altLang="en-US" sz="1400" dirty="0"/>
+          </a:p>
+        </p:txBody>
+      </p:sp>
+      <p:sp>
+        <p:nvSpPr>
+          <p:cNvPr id="46" name="TextBox 2"/>
+          <p:cNvSpPr txBox="1"/>
+          <p:nvPr/>
+        </p:nvSpPr>
+        <p:spPr>
+          <a:xfrm>
+            <a:off x="4284767" y="3321353"/>
+            <a:ext cx="1316492" cy="400110"/>
+          </a:xfrm>
+          <a:prstGeom prst="rect">
+            <a:avLst/>
+          </a:prstGeom>
+          <a:noFill/>
+        </p:spPr>
+        <p:txBody>
+          <a:bodyPr wrap="square" rtlCol="0">
+            <a:spAutoFit/>
+          </a:bodyPr>
+          <a:lstStyle/>
+          <a:p>
+            <a:pPr algn="ctr"/>
+            <a:r>
+              <a:rPr lang="en-US" altLang="zh-CN" sz="1000" dirty="0"/>
+              <a:t>Probability Evaluation via Multi-BIEs</a:t>
+            </a:r>
+            <a:endParaRPr lang="zh-CN" altLang="en-US" sz="1000" dirty="0"/>
+          </a:p>
+        </p:txBody>
+      </p:sp>
+      <p:sp>
+        <p:nvSpPr>
+          <p:cNvPr id="47" name="圆角矩形 46"/>
+          <p:cNvSpPr/>
+          <p:nvPr/>
+        </p:nvSpPr>
+        <p:spPr>
+          <a:xfrm>
+            <a:off x="4338640" y="3759013"/>
+            <a:ext cx="1155130" cy="247853"/>
+          </a:xfrm>
+          <a:prstGeom prst="roundRect">
+            <a:avLst/>
+          </a:prstGeom>
+          <a:solidFill>
+            <a:schemeClr val="bg2"/>
+          </a:solidFill>
+          <a:ln w="12700">
+            <a:solidFill>
+              <a:schemeClr val="tx1"/>
+            </a:solidFill>
+            <a:prstDash val="solid"/>
+          </a:ln>
+        </p:spPr>
+        <p:style>
+          <a:lnRef idx="1">
+            <a:schemeClr val="accent3"/>
+          </a:lnRef>
+          <a:fillRef idx="2">
+            <a:schemeClr val="accent3"/>
+          </a:fillRef>
+          <a:effectRef idx="1">
+            <a:schemeClr val="accent3"/>
+          </a:effectRef>
+          <a:fontRef idx="minor">
+            <a:schemeClr val="dk1"/>
+          </a:fontRef>
+        </p:style>
+        <p:txBody>
+          <a:bodyPr rtlCol="0" anchor="t"/>
+          <a:lstStyle/>
+          <a:p>
+            <a:pPr algn="ctr"/>
+            <a:r>
+              <a:rPr lang="en-US" altLang="zh-CN" sz="1100" dirty="0"/>
+              <a:t>BIE analyzer 1</a:t>
+            </a:r>
+            <a:endParaRPr lang="zh-CN" altLang="en-US" sz="1100" dirty="0"/>
+          </a:p>
+        </p:txBody>
+      </p:sp>
+      <p:sp>
+        <p:nvSpPr>
+          <p:cNvPr id="54" name="TextBox 17"/>
+          <p:cNvSpPr txBox="1"/>
+          <p:nvPr/>
+        </p:nvSpPr>
+        <p:spPr>
+          <a:xfrm>
+            <a:off x="4795060" y="4012341"/>
+            <a:ext cx="411349" cy="234404"/>
+          </a:xfrm>
+          <a:prstGeom prst="rect">
+            <a:avLst/>
+          </a:prstGeom>
+          <a:noFill/>
+        </p:spPr>
+        <p:txBody>
+          <a:bodyPr vert="eaVert" wrap="none" rtlCol="0">
+            <a:spAutoFit/>
+          </a:bodyPr>
+          <a:lstStyle/>
+          <a:p>
+            <a:r>
+              <a:rPr lang="en-US" altLang="zh-CN" dirty="0"/>
+              <a:t>…</a:t>
+            </a:r>
+            <a:endParaRPr lang="zh-CN" altLang="en-US" dirty="0"/>
+          </a:p>
+        </p:txBody>
+      </p:sp>
+      <p:sp>
+        <p:nvSpPr>
+          <p:cNvPr id="55" name="圆角矩形 54"/>
+          <p:cNvSpPr/>
+          <p:nvPr/>
+        </p:nvSpPr>
+        <p:spPr>
+          <a:xfrm>
+            <a:off x="4346083" y="4270052"/>
+            <a:ext cx="1155130" cy="247853"/>
+          </a:xfrm>
+          <a:prstGeom prst="roundRect">
+            <a:avLst/>
+          </a:prstGeom>
+          <a:solidFill>
+            <a:schemeClr val="bg2"/>
+          </a:solidFill>
+          <a:ln w="12700">
+            <a:solidFill>
+              <a:schemeClr val="tx1"/>
+            </a:solidFill>
+            <a:prstDash val="solid"/>
+          </a:ln>
+        </p:spPr>
+        <p:style>
+          <a:lnRef idx="1">
+            <a:schemeClr val="accent3"/>
+          </a:lnRef>
+          <a:fillRef idx="2">
+            <a:schemeClr val="accent3"/>
+          </a:fillRef>
+          <a:effectRef idx="1">
+            <a:schemeClr val="accent3"/>
+          </a:effectRef>
+          <a:fontRef idx="minor">
+            <a:schemeClr val="dk1"/>
+          </a:fontRef>
+        </p:style>
+        <p:txBody>
+          <a:bodyPr rtlCol="0" anchor="t"/>
+          <a:lstStyle/>
+          <a:p>
+            <a:pPr algn="ctr"/>
+            <a:r>
+              <a:rPr lang="en-US" altLang="zh-CN" sz="1100" dirty="0"/>
+              <a:t>BIE analyzer m</a:t>
+            </a:r>
+          </a:p>
+        </p:txBody>
+      </p:sp>
+      <p:sp>
+        <p:nvSpPr>
+          <p:cNvPr id="57" name="矩形 56"/>
+          <p:cNvSpPr/>
+          <p:nvPr/>
+        </p:nvSpPr>
+        <p:spPr>
+          <a:xfrm>
+            <a:off x="4192754" y="2482224"/>
+            <a:ext cx="5438120" cy="2324725"/>
+          </a:xfrm>
+          <a:prstGeom prst="rect">
+            <a:avLst/>
+          </a:prstGeom>
+          <a:noFill/>
+          <a:ln>
+            <a:solidFill>
+              <a:schemeClr val="tx1"/>
+            </a:solidFill>
+            <a:prstDash val="solid"/>
+          </a:ln>
+        </p:spPr>
+        <p:style>
+          <a:lnRef idx="2">
+            <a:schemeClr val="accent1">
+              <a:shade val="50000"/>
+            </a:schemeClr>
+          </a:lnRef>
+          <a:fillRef idx="1">
+            <a:schemeClr val="accent1"/>
+          </a:fillRef>
+          <a:effectRef idx="0">
+            <a:schemeClr val="accent1"/>
+          </a:effectRef>
+          <a:fontRef idx="minor">
+            <a:schemeClr val="lt1"/>
+          </a:fontRef>
+        </p:style>
+        <p:txBody>
+          <a:bodyPr rtlCol="0" anchor="ctr"/>
+          <a:lstStyle/>
+          <a:p>
+            <a:pPr algn="ctr"/>
+            <a:endParaRPr lang="zh-CN" altLang="en-US"/>
+          </a:p>
+        </p:txBody>
+      </p:sp>
+      <p:sp>
+        <p:nvSpPr>
+          <p:cNvPr id="6" name="文本框 5"/>
+          <p:cNvSpPr txBox="1"/>
+          <p:nvPr/>
+        </p:nvSpPr>
+        <p:spPr>
+          <a:xfrm>
+            <a:off x="8756085" y="2495914"/>
+            <a:ext cx="862089" cy="338554"/>
+          </a:xfrm>
+          <a:prstGeom prst="rect">
+            <a:avLst/>
+          </a:prstGeom>
+          <a:solidFill>
+            <a:schemeClr val="bg2"/>
+          </a:solidFill>
+        </p:spPr>
+        <p:txBody>
+          <a:bodyPr wrap="square" rtlCol="0">
+            <a:spAutoFit/>
+          </a:bodyPr>
+          <a:lstStyle/>
+          <a:p>
+            <a:r>
+              <a:rPr lang="en-US" altLang="zh-CN" sz="1600" b="1" dirty="0"/>
+              <a:t>AL-SMC</a:t>
+            </a:r>
+            <a:endParaRPr lang="zh-CN" altLang="en-US" sz="1600" b="1" dirty="0"/>
+          </a:p>
+        </p:txBody>
+      </p:sp>
+      <p:sp>
+        <p:nvSpPr>
+          <p:cNvPr id="42" name="右箭头 41"/>
+          <p:cNvSpPr/>
+          <p:nvPr/>
+        </p:nvSpPr>
+        <p:spPr>
+          <a:xfrm rot="16200000">
+            <a:off x="4753506" y="3005824"/>
+            <a:ext cx="300830" cy="164186"/>
+          </a:xfrm>
+          <a:prstGeom prst="rightArrow">
+            <a:avLst/>
+          </a:prstGeom>
+          <a:solidFill>
+            <a:schemeClr val="bg1"/>
+          </a:solidFill>
+          <a:ln w="9525">
+            <a:solidFill>
+              <a:srgbClr val="003300"/>
+            </a:solidFill>
+          </a:ln>
+        </p:spPr>
+        <p:style>
+          <a:lnRef idx="2">
+            <a:schemeClr val="accent1">
+              <a:shade val="50000"/>
+            </a:schemeClr>
+          </a:lnRef>
+          <a:fillRef idx="1">
+            <a:schemeClr val="accent1"/>
+          </a:fillRef>
+          <a:effectRef idx="0">
+            <a:schemeClr val="accent1"/>
+          </a:effectRef>
+          <a:fontRef idx="minor">
+            <a:schemeClr val="lt1"/>
+          </a:fontRef>
+        </p:style>
+        <p:txBody>
+          <a:bodyPr rtlCol="0" anchor="ctr"/>
+          <a:lstStyle/>
+          <a:p>
+            <a:pPr algn="ctr"/>
+            <a:endParaRPr lang="zh-CN" altLang="en-US"/>
+          </a:p>
+        </p:txBody>
+      </p:sp>
+      <p:pic>
+        <p:nvPicPr>
+          <p:cNvPr id="9" name="图片 8"/>
+          <p:cNvPicPr>
+            <a:picLocks noChangeAspect="1"/>
+          </p:cNvPicPr>
+          <p:nvPr/>
+        </p:nvPicPr>
+        <p:blipFill>
+          <a:blip r:embed="rId9">
+            <a:extLst>
+              <a:ext uri="{28A0092B-C50C-407E-A947-70E740481C1C}">
+                <a14:useLocalDpi xmlns:a14="http://schemas.microsoft.com/office/drawing/2010/main" val="0"/>
+              </a:ext>
+            </a:extLst>
+          </a:blip>
+          <a:stretch>
+            <a:fillRect/>
+          </a:stretch>
+        </p:blipFill>
+        <p:spPr>
+          <a:xfrm>
+            <a:off x="4484759" y="2525570"/>
+            <a:ext cx="852125" cy="380807"/>
+          </a:xfrm>
+          <a:prstGeom prst="rect">
+            <a:avLst/>
+          </a:prstGeom>
+        </p:spPr>
+      </p:pic>
       <p:graphicFrame>
         <p:nvGraphicFramePr>
-          <p:cNvPr id="68" name="对象 67"/>
+          <p:cNvPr id="43" name="对象 42"/>
           <p:cNvGraphicFramePr>
             <a:graphicFrameLocks noChangeAspect="1"/>
           </p:cNvGraphicFramePr>
           <p:nvPr>
             <p:extLst>
               <p:ext uri="{D42A27DB-BD31-4B8C-83A1-F6EECF244321}">
-                <p14:modId xmlns:p14="http://schemas.microsoft.com/office/powerpoint/2010/main" val="658353676"/>
+                <p14:modId xmlns:p14="http://schemas.microsoft.com/office/powerpoint/2010/main" val="1717752174"/>
               </p:ext>
             </p:extLst>
           </p:nvPr>
         </p:nvGraphicFramePr>
         <p:xfrm>
-          <a:off x="3025775" y="2751138"/>
-          <a:ext cx="204788" cy="203200"/>
+          <a:off x="6390688" y="2543832"/>
+          <a:ext cx="299356" cy="236138"/>
         </p:xfrm>
         <a:graphic>
           <a:graphicData uri="http://schemas.openxmlformats.org/presentationml/2006/ole">
             <mc:AlternateContent xmlns:mc="http://schemas.openxmlformats.org/markup-compatibility/2006">
               <mc:Choice xmlns:v="urn:schemas-microsoft-com:vml" Requires="v">
-                <p:oleObj spid="_x0000_s5114" name="Equation" r:id="rId11" imgW="177480" imgH="164880" progId="Equation.DSMT4">
+                <p:oleObj spid="_x0000_s7877" name="Equation" r:id="rId10" imgW="330120" imgH="241200" progId="Equation.DSMT4">
                   <p:embed/>
                 </p:oleObj>
               </mc:Choice>
               <mc:Fallback>
-                <p:oleObj name="Equation" r:id="rId11" imgW="177480" imgH="164880" progId="Equation.DSMT4">
+                <p:oleObj name="Equation" r:id="rId10" imgW="330120" imgH="241200" progId="Equation.DSMT4">
                   <p:embed/>
                   <p:pic>
                     <p:nvPicPr>
-                      <p:cNvPr id="0" name="对象 66"/>
-                      <p:cNvPicPr>
-                        <a:picLocks noChangeAspect="1" noChangeArrowheads="1"/>
-                      </p:cNvPicPr>
+                      <p:cNvPr id="64" name="对象 63"/>
+                      <p:cNvPicPr/>
                       <p:nvPr/>
                     </p:nvPicPr>
                     <p:blipFill>
-                      <a:blip r:embed="rId12"/>
-                      <a:srcRect/>
+                      <a:blip r:embed="rId11"/>
                       <a:stretch>
                         <a:fillRect/>
                       </a:stretch>
                     </p:blipFill>
-                    <p:spPr bwMode="auto">
+                    <p:spPr>
                       <a:xfrm>
-                        <a:off x="3025775" y="2751138"/>
-                        <a:ext cx="204788" cy="203200"/>
+                        <a:off x="6390688" y="2543832"/>
+                        <a:ext cx="299356" cy="236138"/>
                       </a:xfrm>
                       <a:prstGeom prst="rect">
                         <a:avLst/>
                       </a:prstGeom>
-                      <a:noFill/>
-                      <a:ln>
-                        <a:noFill/>
-                      </a:ln>
                     </p:spPr>
                   </p:pic>
                 </p:oleObj>
@@ -4758,87 +4614,66 @@
           </a:graphicData>
         </a:graphic>
       </p:graphicFrame>
-      <p:graphicFrame>
-        <p:nvGraphicFramePr>
-          <p:cNvPr id="69" name="对象 68"/>
-          <p:cNvGraphicFramePr>
-            <a:graphicFrameLocks noChangeAspect="1"/>
-          </p:cNvGraphicFramePr>
-          <p:nvPr>
-            <p:extLst>
-              <p:ext uri="{D42A27DB-BD31-4B8C-83A1-F6EECF244321}">
-                <p14:modId xmlns:p14="http://schemas.microsoft.com/office/powerpoint/2010/main" val="3953788893"/>
-              </p:ext>
-            </p:extLst>
-          </p:nvPr>
-        </p:nvGraphicFramePr>
-        <p:xfrm>
-          <a:off x="4523061" y="3234104"/>
-          <a:ext cx="180127" cy="209180"/>
-        </p:xfrm>
-        <a:graphic>
-          <a:graphicData uri="http://schemas.openxmlformats.org/presentationml/2006/ole">
-            <mc:AlternateContent xmlns:mc="http://schemas.openxmlformats.org/markup-compatibility/2006">
-              <mc:Choice xmlns:v="urn:schemas-microsoft-com:vml" Requires="v">
-                <p:oleObj spid="_x0000_s5115" name="Equation" r:id="rId13" imgW="152280" imgH="164880" progId="Equation.DSMT4">
-                  <p:embed/>
-                </p:oleObj>
-              </mc:Choice>
-              <mc:Fallback>
-                <p:oleObj name="Equation" r:id="rId13" imgW="152280" imgH="164880" progId="Equation.DSMT4">
-                  <p:embed/>
-                  <p:pic>
-                    <p:nvPicPr>
-                      <p:cNvPr id="0" name="对象 67"/>
-                      <p:cNvPicPr>
-                        <a:picLocks noChangeAspect="1" noChangeArrowheads="1"/>
-                      </p:cNvPicPr>
-                      <p:nvPr/>
-                    </p:nvPicPr>
-                    <p:blipFill>
-                      <a:blip r:embed="rId14">
-                        <a:extLst>
-                          <a:ext uri="{28A0092B-C50C-407E-A947-70E740481C1C}">
-                            <a14:useLocalDpi xmlns:a14="http://schemas.microsoft.com/office/drawing/2010/main" val="0"/>
-                          </a:ext>
-                        </a:extLst>
-                      </a:blip>
-                      <a:srcRect/>
-                      <a:stretch>
-                        <a:fillRect/>
-                      </a:stretch>
-                    </p:blipFill>
-                    <p:spPr bwMode="auto">
-                      <a:xfrm>
-                        <a:off x="4523061" y="3234104"/>
-                        <a:ext cx="180127" cy="209180"/>
-                      </a:xfrm>
-                      <a:prstGeom prst="rect">
-                        <a:avLst/>
-                      </a:prstGeom>
-                      <a:noFill/>
-                      <a:ln>
-                        <a:noFill/>
-                      </a:ln>
-                      <a:extLst/>
-                    </p:spPr>
-                  </p:pic>
-                </p:oleObj>
-              </mc:Fallback>
-            </mc:AlternateContent>
-          </a:graphicData>
-        </a:graphic>
-      </p:graphicFrame>
-      <p:sp>
-        <p:nvSpPr>
-          <p:cNvPr id="71" name="TextBox 70"/>
+      <p:sp>
+        <p:nvSpPr>
+          <p:cNvPr id="3" name="L 形 2"/>
+          <p:cNvSpPr/>
+          <p:nvPr/>
+        </p:nvSpPr>
+        <p:spPr>
+          <a:xfrm rot="10800000">
+            <a:off x="5758302" y="2899402"/>
+            <a:ext cx="3722508" cy="1832478"/>
+          </a:xfrm>
+          <a:prstGeom prst="corner">
+            <a:avLst>
+              <a:gd name="adj1" fmla="val 43839"/>
+              <a:gd name="adj2" fmla="val 74961"/>
+            </a:avLst>
+          </a:prstGeom>
+          <a:noFill/>
+          <a:ln>
+            <a:solidFill>
+              <a:schemeClr val="tx1"/>
+            </a:solidFill>
+            <a:prstDash val="sysDash"/>
+          </a:ln>
+        </p:spPr>
+        <p:style>
+          <a:lnRef idx="2">
+            <a:schemeClr val="accent1">
+              <a:shade val="50000"/>
+            </a:schemeClr>
+          </a:lnRef>
+          <a:fillRef idx="1">
+            <a:schemeClr val="accent1"/>
+          </a:fillRef>
+          <a:effectRef idx="0">
+            <a:schemeClr val="accent1"/>
+          </a:effectRef>
+          <a:fontRef idx="minor">
+            <a:schemeClr val="lt1"/>
+          </a:fontRef>
+        </p:style>
+        <p:txBody>
+          <a:bodyPr rtlCol="0" anchor="ctr"/>
+          <a:lstStyle/>
+          <a:p>
+            <a:pPr algn="ctr"/>
+            <a:endParaRPr lang="zh-CN" altLang="en-US"/>
+          </a:p>
+        </p:txBody>
+      </p:sp>
+      <p:sp>
+        <p:nvSpPr>
+          <p:cNvPr id="44" name="文本框 43"/>
           <p:cNvSpPr txBox="1"/>
           <p:nvPr/>
         </p:nvSpPr>
         <p:spPr>
           <a:xfrm>
-            <a:off x="3137841" y="3391281"/>
-            <a:ext cx="461986" cy="246221"/>
+            <a:off x="5636632" y="3863767"/>
+            <a:ext cx="487313" cy="276999"/>
           </a:xfrm>
           <a:prstGeom prst="rect">
             <a:avLst/>
@@ -4846,45 +4681,16 @@
           <a:noFill/>
         </p:spPr>
         <p:txBody>
-          <a:bodyPr wrap="none" rtlCol="0">
+          <a:bodyPr wrap="square" rtlCol="0">
             <a:spAutoFit/>
           </a:bodyPr>
           <a:lstStyle/>
           <a:p>
             <a:r>
-              <a:rPr lang="en-US" altLang="zh-CN" sz="1000" i="1" dirty="0" smtClean="0"/>
-              <a:t>DPFA</a:t>
-            </a:r>
-          </a:p>
-        </p:txBody>
-      </p:sp>
-      <p:sp>
-        <p:nvSpPr>
-          <p:cNvPr id="3" name="TextBox 2"/>
-          <p:cNvSpPr txBox="1"/>
-          <p:nvPr/>
-        </p:nvSpPr>
-        <p:spPr>
-          <a:xfrm>
-            <a:off x="1733347" y="2375957"/>
-            <a:ext cx="1082348" cy="246221"/>
-          </a:xfrm>
-          <a:prstGeom prst="rect">
-            <a:avLst/>
-          </a:prstGeom>
-          <a:noFill/>
-        </p:spPr>
-        <p:txBody>
-          <a:bodyPr wrap="none" rtlCol="0">
-            <a:spAutoFit/>
-          </a:bodyPr>
-          <a:lstStyle/>
-          <a:p>
-            <a:r>
-              <a:rPr lang="zh-CN" altLang="en-US" sz="1000" dirty="0" smtClean="0"/>
-              <a:t>统计模型检测器</a:t>
-            </a:r>
-            <a:endParaRPr lang="zh-CN" altLang="en-US" sz="1000" dirty="0"/>
+              <a:rPr lang="en-US" altLang="zh-CN" sz="1200" dirty="0"/>
+              <a:t>PFT</a:t>
+            </a:r>
+            <a:endParaRPr lang="zh-CN" altLang="en-US" sz="1200" dirty="0"/>
           </a:p>
         </p:txBody>
       </p:sp>
@@ -4898,13 +4704,6 @@
   <p:clrMapOvr>
     <a:masterClrMapping/>
   </p:clrMapOvr>
-  <p:timing>
-    <p:tnLst>
-      <p:par>
-        <p:cTn id="1" dur="indefinite" restart="never" nodeType="tmRoot"/>
-      </p:par>
-    </p:tnLst>
-  </p:timing>
 </p:sld>
 </file>
 
@@ -5163,7 +4962,7 @@
   <a:extraClrSchemeLst/>
   <a:extLst>
     <a:ext uri="{05A4C25C-085E-4340-85A3-A5531E510DB2}">
-      <thm15:themeFamily xmlns="" xmlns:thm15="http://schemas.microsoft.com/office/thememl/2012/main" name="Office Theme" id="{62F939B6-93AF-4DB8-9C6B-D6C7DFDC589F}" vid="{4A3C46E8-61CC-4603-A589-7422A47A8E4A}"/>
+      <thm15:themeFamily xmlns:thm15="http://schemas.microsoft.com/office/thememl/2012/main" name="Office Theme" id="{62F939B6-93AF-4DB8-9C6B-D6C7DFDC589F}" vid="{4A3C46E8-61CC-4603-A589-7422A47A8E4A}"/>
     </a:ext>
   </a:extLst>
 </a:theme>
@@ -5424,7 +5223,7 @@
   <a:extraClrSchemeLst/>
   <a:extLst>
     <a:ext uri="{05A4C25C-085E-4340-85A3-A5531E510DB2}">
-      <thm15:themeFamily xmlns="" xmlns:thm15="http://schemas.microsoft.com/office/thememl/2012/main" name="Office Theme" id="{62F939B6-93AF-4DB8-9C6B-D6C7DFDC589F}" vid="{4A3C46E8-61CC-4603-A589-7422A47A8E4A}"/>
+      <thm15:themeFamily xmlns:thm15="http://schemas.microsoft.com/office/thememl/2012/main" name="Office Theme" id="{62F939B6-93AF-4DB8-9C6B-D6C7DFDC589F}" vid="{4A3C46E8-61CC-4603-A589-7422A47A8E4A}"/>
     </a:ext>
   </a:extLst>
 </a:theme>
